--- a/_blog_/report-img/Presentation1.pptx
+++ b/_blog_/report-img/Presentation1.pptx
@@ -4,9 +4,13 @@
   <p:sldMasterIdLst>
     <p:sldMasterId id="2147483648" r:id="rId1"/>
   </p:sldMasterIdLst>
+  <p:notesMasterIdLst>
+    <p:notesMasterId r:id="rId5"/>
+  </p:notesMasterIdLst>
   <p:sldIdLst>
     <p:sldId id="256" r:id="rId2"/>
     <p:sldId id="257" r:id="rId3"/>
+    <p:sldId id="259" r:id="rId4"/>
   </p:sldIdLst>
   <p:sldSz cx="12192000" cy="6858000"/>
   <p:notesSz cx="6858000" cy="9144000"/>
@@ -113,6 +117,617 @@
 </p:presentation>
 </file>
 
+<file path=ppt/notesMasters/notesMaster1.xml><?xml version="1.0" encoding="utf-8"?>
+<p:notesMaster xmlns:a="http://schemas.openxmlformats.org/drawingml/2006/main" xmlns:r="http://schemas.openxmlformats.org/officeDocument/2006/relationships" xmlns:p="http://schemas.openxmlformats.org/presentationml/2006/main">
+  <p:cSld>
+    <p:bg>
+      <p:bgRef idx="1001">
+        <a:schemeClr val="bg1"/>
+      </p:bgRef>
+    </p:bg>
+    <p:spTree>
+      <p:nvGrpSpPr>
+        <p:cNvPr id="1" name=""/>
+        <p:cNvGrpSpPr/>
+        <p:nvPr/>
+      </p:nvGrpSpPr>
+      <p:grpSpPr>
+        <a:xfrm>
+          <a:off x="0" y="0"/>
+          <a:ext cx="0" cy="0"/>
+          <a:chOff x="0" y="0"/>
+          <a:chExt cx="0" cy="0"/>
+        </a:xfrm>
+      </p:grpSpPr>
+      <p:sp>
+        <p:nvSpPr>
+          <p:cNvPr id="2" name="Header Placeholder 1"/>
+          <p:cNvSpPr>
+            <a:spLocks noGrp="1"/>
+          </p:cNvSpPr>
+          <p:nvPr>
+            <p:ph type="hdr" sz="quarter"/>
+          </p:nvPr>
+        </p:nvSpPr>
+        <p:spPr>
+          <a:xfrm>
+            <a:off x="0" y="0"/>
+            <a:ext cx="2971800" cy="458788"/>
+          </a:xfrm>
+          <a:prstGeom prst="rect">
+            <a:avLst/>
+          </a:prstGeom>
+        </p:spPr>
+        <p:txBody>
+          <a:bodyPr vert="horz" lIns="91440" tIns="45720" rIns="91440" bIns="45720" rtlCol="0"/>
+          <a:lstStyle>
+            <a:lvl1pPr algn="l">
+              <a:defRPr sz="1200"/>
+            </a:lvl1pPr>
+          </a:lstStyle>
+          <a:p>
+            <a:endParaRPr lang="en-AU"/>
+          </a:p>
+        </p:txBody>
+      </p:sp>
+      <p:sp>
+        <p:nvSpPr>
+          <p:cNvPr id="3" name="Date Placeholder 2"/>
+          <p:cNvSpPr>
+            <a:spLocks noGrp="1"/>
+          </p:cNvSpPr>
+          <p:nvPr>
+            <p:ph type="dt" idx="1"/>
+          </p:nvPr>
+        </p:nvSpPr>
+        <p:spPr>
+          <a:xfrm>
+            <a:off x="3884613" y="0"/>
+            <a:ext cx="2971800" cy="458788"/>
+          </a:xfrm>
+          <a:prstGeom prst="rect">
+            <a:avLst/>
+          </a:prstGeom>
+        </p:spPr>
+        <p:txBody>
+          <a:bodyPr vert="horz" lIns="91440" tIns="45720" rIns="91440" bIns="45720" rtlCol="0"/>
+          <a:lstStyle>
+            <a:lvl1pPr algn="r">
+              <a:defRPr sz="1200"/>
+            </a:lvl1pPr>
+          </a:lstStyle>
+          <a:p>
+            <a:fld id="{A8B30507-54E8-46A2-BC38-DC77A093673D}" type="datetimeFigureOut">
+              <a:rPr lang="en-AU" smtClean="0"/>
+              <a:t>14/10/2019</a:t>
+            </a:fld>
+            <a:endParaRPr lang="en-AU"/>
+          </a:p>
+        </p:txBody>
+      </p:sp>
+      <p:sp>
+        <p:nvSpPr>
+          <p:cNvPr id="4" name="Slide Image Placeholder 3"/>
+          <p:cNvSpPr>
+            <a:spLocks noGrp="1" noRot="1" noChangeAspect="1"/>
+          </p:cNvSpPr>
+          <p:nvPr>
+            <p:ph type="sldImg" idx="2"/>
+          </p:nvPr>
+        </p:nvSpPr>
+        <p:spPr>
+          <a:xfrm>
+            <a:off x="685800" y="1143000"/>
+            <a:ext cx="5486400" cy="3086100"/>
+          </a:xfrm>
+          <a:prstGeom prst="rect">
+            <a:avLst/>
+          </a:prstGeom>
+          <a:noFill/>
+          <a:ln w="12700">
+            <a:solidFill>
+              <a:prstClr val="black"/>
+            </a:solidFill>
+          </a:ln>
+        </p:spPr>
+        <p:txBody>
+          <a:bodyPr vert="horz" lIns="91440" tIns="45720" rIns="91440" bIns="45720" rtlCol="0" anchor="ctr"/>
+          <a:lstStyle/>
+          <a:p>
+            <a:endParaRPr lang="en-AU"/>
+          </a:p>
+        </p:txBody>
+      </p:sp>
+      <p:sp>
+        <p:nvSpPr>
+          <p:cNvPr id="5" name="Notes Placeholder 4"/>
+          <p:cNvSpPr>
+            <a:spLocks noGrp="1"/>
+          </p:cNvSpPr>
+          <p:nvPr>
+            <p:ph type="body" sz="quarter" idx="3"/>
+          </p:nvPr>
+        </p:nvSpPr>
+        <p:spPr>
+          <a:xfrm>
+            <a:off x="685800" y="4400550"/>
+            <a:ext cx="5486400" cy="3600450"/>
+          </a:xfrm>
+          <a:prstGeom prst="rect">
+            <a:avLst/>
+          </a:prstGeom>
+        </p:spPr>
+        <p:txBody>
+          <a:bodyPr vert="horz" lIns="91440" tIns="45720" rIns="91440" bIns="45720" rtlCol="0"/>
+          <a:lstStyle/>
+          <a:p>
+            <a:pPr lvl="0"/>
+            <a:r>
+              <a:rPr lang="en-US" smtClean="0"/>
+              <a:t>Click to edit Master text styles</a:t>
+            </a:r>
+          </a:p>
+          <a:p>
+            <a:pPr lvl="1"/>
+            <a:r>
+              <a:rPr lang="en-US" smtClean="0"/>
+              <a:t>Second level</a:t>
+            </a:r>
+          </a:p>
+          <a:p>
+            <a:pPr lvl="2"/>
+            <a:r>
+              <a:rPr lang="en-US" smtClean="0"/>
+              <a:t>Third level</a:t>
+            </a:r>
+          </a:p>
+          <a:p>
+            <a:pPr lvl="3"/>
+            <a:r>
+              <a:rPr lang="en-US" smtClean="0"/>
+              <a:t>Fourth level</a:t>
+            </a:r>
+          </a:p>
+          <a:p>
+            <a:pPr lvl="4"/>
+            <a:r>
+              <a:rPr lang="en-US" smtClean="0"/>
+              <a:t>Fifth level</a:t>
+            </a:r>
+            <a:endParaRPr lang="en-AU"/>
+          </a:p>
+        </p:txBody>
+      </p:sp>
+      <p:sp>
+        <p:nvSpPr>
+          <p:cNvPr id="6" name="Footer Placeholder 5"/>
+          <p:cNvSpPr>
+            <a:spLocks noGrp="1"/>
+          </p:cNvSpPr>
+          <p:nvPr>
+            <p:ph type="ftr" sz="quarter" idx="4"/>
+          </p:nvPr>
+        </p:nvSpPr>
+        <p:spPr>
+          <a:xfrm>
+            <a:off x="0" y="8685213"/>
+            <a:ext cx="2971800" cy="458787"/>
+          </a:xfrm>
+          <a:prstGeom prst="rect">
+            <a:avLst/>
+          </a:prstGeom>
+        </p:spPr>
+        <p:txBody>
+          <a:bodyPr vert="horz" lIns="91440" tIns="45720" rIns="91440" bIns="45720" rtlCol="0" anchor="b"/>
+          <a:lstStyle>
+            <a:lvl1pPr algn="l">
+              <a:defRPr sz="1200"/>
+            </a:lvl1pPr>
+          </a:lstStyle>
+          <a:p>
+            <a:endParaRPr lang="en-AU"/>
+          </a:p>
+        </p:txBody>
+      </p:sp>
+      <p:sp>
+        <p:nvSpPr>
+          <p:cNvPr id="7" name="Slide Number Placeholder 6"/>
+          <p:cNvSpPr>
+            <a:spLocks noGrp="1"/>
+          </p:cNvSpPr>
+          <p:nvPr>
+            <p:ph type="sldNum" sz="quarter" idx="5"/>
+          </p:nvPr>
+        </p:nvSpPr>
+        <p:spPr>
+          <a:xfrm>
+            <a:off x="3884613" y="8685213"/>
+            <a:ext cx="2971800" cy="458787"/>
+          </a:xfrm>
+          <a:prstGeom prst="rect">
+            <a:avLst/>
+          </a:prstGeom>
+        </p:spPr>
+        <p:txBody>
+          <a:bodyPr vert="horz" lIns="91440" tIns="45720" rIns="91440" bIns="45720" rtlCol="0" anchor="b"/>
+          <a:lstStyle>
+            <a:lvl1pPr algn="r">
+              <a:defRPr sz="1200"/>
+            </a:lvl1pPr>
+          </a:lstStyle>
+          <a:p>
+            <a:fld id="{1570146C-7301-40A7-914D-9984C2BD1491}" type="slidenum">
+              <a:rPr lang="en-AU" smtClean="0"/>
+              <a:t>‹#›</a:t>
+            </a:fld>
+            <a:endParaRPr lang="en-AU"/>
+          </a:p>
+        </p:txBody>
+      </p:sp>
+    </p:spTree>
+    <p:extLst>
+      <p:ext uri="{BB962C8B-B14F-4D97-AF65-F5344CB8AC3E}">
+        <p14:creationId xmlns:p14="http://schemas.microsoft.com/office/powerpoint/2010/main" val="1777208775"/>
+      </p:ext>
+    </p:extLst>
+  </p:cSld>
+  <p:clrMap bg1="lt1" tx1="dk1" bg2="lt2" tx2="dk2" accent1="accent1" accent2="accent2" accent3="accent3" accent4="accent4" accent5="accent5" accent6="accent6" hlink="hlink" folHlink="folHlink"/>
+  <p:notesStyle>
+    <a:lvl1pPr marL="0" algn="l" defTabSz="914400" rtl="0" eaLnBrk="1" latinLnBrk="0" hangingPunct="1">
+      <a:defRPr sz="1200" kern="1200">
+        <a:solidFill>
+          <a:schemeClr val="tx1"/>
+        </a:solidFill>
+        <a:latin typeface="+mn-lt"/>
+        <a:ea typeface="+mn-ea"/>
+        <a:cs typeface="+mn-cs"/>
+      </a:defRPr>
+    </a:lvl1pPr>
+    <a:lvl2pPr marL="457200" algn="l" defTabSz="914400" rtl="0" eaLnBrk="1" latinLnBrk="0" hangingPunct="1">
+      <a:defRPr sz="1200" kern="1200">
+        <a:solidFill>
+          <a:schemeClr val="tx1"/>
+        </a:solidFill>
+        <a:latin typeface="+mn-lt"/>
+        <a:ea typeface="+mn-ea"/>
+        <a:cs typeface="+mn-cs"/>
+      </a:defRPr>
+    </a:lvl2pPr>
+    <a:lvl3pPr marL="914400" algn="l" defTabSz="914400" rtl="0" eaLnBrk="1" latinLnBrk="0" hangingPunct="1">
+      <a:defRPr sz="1200" kern="1200">
+        <a:solidFill>
+          <a:schemeClr val="tx1"/>
+        </a:solidFill>
+        <a:latin typeface="+mn-lt"/>
+        <a:ea typeface="+mn-ea"/>
+        <a:cs typeface="+mn-cs"/>
+      </a:defRPr>
+    </a:lvl3pPr>
+    <a:lvl4pPr marL="1371600" algn="l" defTabSz="914400" rtl="0" eaLnBrk="1" latinLnBrk="0" hangingPunct="1">
+      <a:defRPr sz="1200" kern="1200">
+        <a:solidFill>
+          <a:schemeClr val="tx1"/>
+        </a:solidFill>
+        <a:latin typeface="+mn-lt"/>
+        <a:ea typeface="+mn-ea"/>
+        <a:cs typeface="+mn-cs"/>
+      </a:defRPr>
+    </a:lvl4pPr>
+    <a:lvl5pPr marL="1828800" algn="l" defTabSz="914400" rtl="0" eaLnBrk="1" latinLnBrk="0" hangingPunct="1">
+      <a:defRPr sz="1200" kern="1200">
+        <a:solidFill>
+          <a:schemeClr val="tx1"/>
+        </a:solidFill>
+        <a:latin typeface="+mn-lt"/>
+        <a:ea typeface="+mn-ea"/>
+        <a:cs typeface="+mn-cs"/>
+      </a:defRPr>
+    </a:lvl5pPr>
+    <a:lvl6pPr marL="2286000" algn="l" defTabSz="914400" rtl="0" eaLnBrk="1" latinLnBrk="0" hangingPunct="1">
+      <a:defRPr sz="1200" kern="1200">
+        <a:solidFill>
+          <a:schemeClr val="tx1"/>
+        </a:solidFill>
+        <a:latin typeface="+mn-lt"/>
+        <a:ea typeface="+mn-ea"/>
+        <a:cs typeface="+mn-cs"/>
+      </a:defRPr>
+    </a:lvl6pPr>
+    <a:lvl7pPr marL="2743200" algn="l" defTabSz="914400" rtl="0" eaLnBrk="1" latinLnBrk="0" hangingPunct="1">
+      <a:defRPr sz="1200" kern="1200">
+        <a:solidFill>
+          <a:schemeClr val="tx1"/>
+        </a:solidFill>
+        <a:latin typeface="+mn-lt"/>
+        <a:ea typeface="+mn-ea"/>
+        <a:cs typeface="+mn-cs"/>
+      </a:defRPr>
+    </a:lvl7pPr>
+    <a:lvl8pPr marL="3200400" algn="l" defTabSz="914400" rtl="0" eaLnBrk="1" latinLnBrk="0" hangingPunct="1">
+      <a:defRPr sz="1200" kern="1200">
+        <a:solidFill>
+          <a:schemeClr val="tx1"/>
+        </a:solidFill>
+        <a:latin typeface="+mn-lt"/>
+        <a:ea typeface="+mn-ea"/>
+        <a:cs typeface="+mn-cs"/>
+      </a:defRPr>
+    </a:lvl8pPr>
+    <a:lvl9pPr marL="3657600" algn="l" defTabSz="914400" rtl="0" eaLnBrk="1" latinLnBrk="0" hangingPunct="1">
+      <a:defRPr sz="1200" kern="1200">
+        <a:solidFill>
+          <a:schemeClr val="tx1"/>
+        </a:solidFill>
+        <a:latin typeface="+mn-lt"/>
+        <a:ea typeface="+mn-ea"/>
+        <a:cs typeface="+mn-cs"/>
+      </a:defRPr>
+    </a:lvl9pPr>
+  </p:notesStyle>
+</p:notesMaster>
+</file>
+
+<file path=ppt/notesSlides/notesSlide1.xml><?xml version="1.0" encoding="utf-8"?>
+<p:notes xmlns:a="http://schemas.openxmlformats.org/drawingml/2006/main" xmlns:r="http://schemas.openxmlformats.org/officeDocument/2006/relationships" xmlns:p="http://schemas.openxmlformats.org/presentationml/2006/main">
+  <p:cSld>
+    <p:spTree>
+      <p:nvGrpSpPr>
+        <p:cNvPr id="1" name=""/>
+        <p:cNvGrpSpPr/>
+        <p:nvPr/>
+      </p:nvGrpSpPr>
+      <p:grpSpPr>
+        <a:xfrm>
+          <a:off x="0" y="0"/>
+          <a:ext cx="0" cy="0"/>
+          <a:chOff x="0" y="0"/>
+          <a:chExt cx="0" cy="0"/>
+        </a:xfrm>
+      </p:grpSpPr>
+      <p:sp>
+        <p:nvSpPr>
+          <p:cNvPr id="35842" name="Slide Image Placeholder 1"/>
+          <p:cNvSpPr>
+            <a:spLocks noGrp="1" noRot="1" noChangeAspect="1" noTextEdit="1"/>
+          </p:cNvSpPr>
+          <p:nvPr>
+            <p:ph type="sldImg"/>
+          </p:nvPr>
+        </p:nvSpPr>
+        <p:spPr bwMode="auto">
+          <a:noFill/>
+          <a:ln>
+            <a:solidFill>
+              <a:srgbClr val="000000"/>
+            </a:solidFill>
+            <a:miter lim="800000"/>
+            <a:headEnd/>
+            <a:tailEnd/>
+          </a:ln>
+          <a:extLst>
+            <a:ext uri="{909E8E84-426E-40DD-AFC4-6F175D3DCCD1}">
+              <a14:hiddenFill xmlns:a14="http://schemas.microsoft.com/office/drawing/2010/main">
+                <a:solidFill>
+                  <a:srgbClr val="FFFFFF"/>
+                </a:solidFill>
+              </a14:hiddenFill>
+            </a:ext>
+          </a:extLst>
+        </p:spPr>
+      </p:sp>
+      <p:sp>
+        <p:nvSpPr>
+          <p:cNvPr id="32771" name="Notes Placeholder 2"/>
+          <p:cNvSpPr>
+            <a:spLocks noGrp="1"/>
+          </p:cNvSpPr>
+          <p:nvPr>
+            <p:ph type="body" idx="1"/>
+          </p:nvPr>
+        </p:nvSpPr>
+        <p:spPr bwMode="auto">
+          <a:extLst>
+            <a:ext uri="{909E8E84-426E-40DD-AFC4-6F175D3DCCD1}">
+              <a14:hiddenFill xmlns:a14="http://schemas.microsoft.com/office/drawing/2010/main">
+                <a:solidFill>
+                  <a:srgbClr val="FFFFFF"/>
+                </a:solidFill>
+              </a14:hiddenFill>
+            </a:ext>
+            <a:ext uri="{91240B29-F687-4F45-9708-019B960494DF}">
+              <a14:hiddenLine xmlns:a14="http://schemas.microsoft.com/office/drawing/2010/main" w="9525">
+                <a:solidFill>
+                  <a:srgbClr val="000000"/>
+                </a:solidFill>
+                <a:miter lim="800000"/>
+                <a:headEnd/>
+                <a:tailEnd/>
+              </a14:hiddenLine>
+            </a:ext>
+          </a:extLst>
+        </p:spPr>
+        <p:txBody>
+          <a:bodyPr wrap="square" numCol="1" anchor="t" anchorCtr="0" compatLnSpc="1">
+            <a:prstTxWarp prst="textNoShape">
+              <a:avLst/>
+            </a:prstTxWarp>
+          </a:bodyPr>
+          <a:lstStyle/>
+          <a:p>
+            <a:pPr>
+              <a:defRPr/>
+            </a:pPr>
+            <a:endParaRPr lang="en-AU" altLang="en-US" dirty="0" smtClean="0"/>
+          </a:p>
+        </p:txBody>
+      </p:sp>
+      <p:sp>
+        <p:nvSpPr>
+          <p:cNvPr id="35844" name="Slide Number Placeholder 3"/>
+          <p:cNvSpPr>
+            <a:spLocks noGrp="1"/>
+          </p:cNvSpPr>
+          <p:nvPr>
+            <p:ph type="sldNum" sz="quarter" idx="5"/>
+          </p:nvPr>
+        </p:nvSpPr>
+        <p:spPr bwMode="auto">
+          <a:noFill/>
+          <a:extLst>
+            <a:ext uri="{909E8E84-426E-40DD-AFC4-6F175D3DCCD1}">
+              <a14:hiddenFill xmlns:a14="http://schemas.microsoft.com/office/drawing/2010/main">
+                <a:solidFill>
+                  <a:srgbClr val="FFFFFF"/>
+                </a:solidFill>
+              </a14:hiddenFill>
+            </a:ext>
+            <a:ext uri="{91240B29-F687-4F45-9708-019B960494DF}">
+              <a14:hiddenLine xmlns:a14="http://schemas.microsoft.com/office/drawing/2010/main" w="9525">
+                <a:solidFill>
+                  <a:srgbClr val="000000"/>
+                </a:solidFill>
+                <a:miter lim="800000"/>
+                <a:headEnd/>
+                <a:tailEnd/>
+              </a14:hiddenLine>
+            </a:ext>
+          </a:extLst>
+        </p:spPr>
+        <p:txBody>
+          <a:bodyPr wrap="square" numCol="1" anchorCtr="0" compatLnSpc="1">
+            <a:prstTxWarp prst="textNoShape">
+              <a:avLst/>
+            </a:prstTxWarp>
+          </a:bodyPr>
+          <a:lstStyle>
+            <a:lvl1pPr>
+              <a:defRPr>
+                <a:solidFill>
+                  <a:schemeClr val="tx1"/>
+                </a:solidFill>
+                <a:latin typeface="Arial" panose="020B0604020202020204" pitchFamily="34" charset="0"/>
+              </a:defRPr>
+            </a:lvl1pPr>
+            <a:lvl2pPr marL="738188" indent="-282575">
+              <a:defRPr>
+                <a:solidFill>
+                  <a:schemeClr val="tx1"/>
+                </a:solidFill>
+                <a:latin typeface="Arial" panose="020B0604020202020204" pitchFamily="34" charset="0"/>
+              </a:defRPr>
+            </a:lvl2pPr>
+            <a:lvl3pPr marL="1136650" indent="-227013">
+              <a:defRPr>
+                <a:solidFill>
+                  <a:schemeClr val="tx1"/>
+                </a:solidFill>
+                <a:latin typeface="Arial" panose="020B0604020202020204" pitchFamily="34" charset="0"/>
+              </a:defRPr>
+            </a:lvl3pPr>
+            <a:lvl4pPr marL="1590675" indent="-227013">
+              <a:defRPr>
+                <a:solidFill>
+                  <a:schemeClr val="tx1"/>
+                </a:solidFill>
+                <a:latin typeface="Arial" panose="020B0604020202020204" pitchFamily="34" charset="0"/>
+              </a:defRPr>
+            </a:lvl4pPr>
+            <a:lvl5pPr marL="2046288" indent="-227013">
+              <a:defRPr>
+                <a:solidFill>
+                  <a:schemeClr val="tx1"/>
+                </a:solidFill>
+                <a:latin typeface="Arial" panose="020B0604020202020204" pitchFamily="34" charset="0"/>
+              </a:defRPr>
+            </a:lvl5pPr>
+            <a:lvl6pPr marL="2503488" indent="-227013" eaLnBrk="0" fontAlgn="base" hangingPunct="0">
+              <a:spcBef>
+                <a:spcPct val="0"/>
+              </a:spcBef>
+              <a:spcAft>
+                <a:spcPct val="0"/>
+              </a:spcAft>
+              <a:defRPr>
+                <a:solidFill>
+                  <a:schemeClr val="tx1"/>
+                </a:solidFill>
+                <a:latin typeface="Arial" panose="020B0604020202020204" pitchFamily="34" charset="0"/>
+              </a:defRPr>
+            </a:lvl6pPr>
+            <a:lvl7pPr marL="2960688" indent="-227013" eaLnBrk="0" fontAlgn="base" hangingPunct="0">
+              <a:spcBef>
+                <a:spcPct val="0"/>
+              </a:spcBef>
+              <a:spcAft>
+                <a:spcPct val="0"/>
+              </a:spcAft>
+              <a:defRPr>
+                <a:solidFill>
+                  <a:schemeClr val="tx1"/>
+                </a:solidFill>
+                <a:latin typeface="Arial" panose="020B0604020202020204" pitchFamily="34" charset="0"/>
+              </a:defRPr>
+            </a:lvl7pPr>
+            <a:lvl8pPr marL="3417888" indent="-227013" eaLnBrk="0" fontAlgn="base" hangingPunct="0">
+              <a:spcBef>
+                <a:spcPct val="0"/>
+              </a:spcBef>
+              <a:spcAft>
+                <a:spcPct val="0"/>
+              </a:spcAft>
+              <a:defRPr>
+                <a:solidFill>
+                  <a:schemeClr val="tx1"/>
+                </a:solidFill>
+                <a:latin typeface="Arial" panose="020B0604020202020204" pitchFamily="34" charset="0"/>
+              </a:defRPr>
+            </a:lvl8pPr>
+            <a:lvl9pPr marL="3875088" indent="-227013" eaLnBrk="0" fontAlgn="base" hangingPunct="0">
+              <a:spcBef>
+                <a:spcPct val="0"/>
+              </a:spcBef>
+              <a:spcAft>
+                <a:spcPct val="0"/>
+              </a:spcAft>
+              <a:defRPr>
+                <a:solidFill>
+                  <a:schemeClr val="tx1"/>
+                </a:solidFill>
+                <a:latin typeface="Arial" panose="020B0604020202020204" pitchFamily="34" charset="0"/>
+              </a:defRPr>
+            </a:lvl9pPr>
+          </a:lstStyle>
+          <a:p>
+            <a:fld id="{FEE32BC9-F5E2-44C1-8EB0-4282995245DD}" type="slidenum">
+              <a:rPr lang="en-AU" altLang="en-US" smtClean="0">
+                <a:solidFill>
+                  <a:prstClr val="black"/>
+                </a:solidFill>
+              </a:rPr>
+              <a:pPr/>
+              <a:t>3</a:t>
+            </a:fld>
+            <a:endParaRPr lang="en-AU" altLang="en-US" smtClean="0">
+              <a:solidFill>
+                <a:prstClr val="black"/>
+              </a:solidFill>
+            </a:endParaRPr>
+          </a:p>
+        </p:txBody>
+      </p:sp>
+    </p:spTree>
+    <p:extLst>
+      <p:ext uri="{BB962C8B-B14F-4D97-AF65-F5344CB8AC3E}">
+        <p14:creationId xmlns:p14="http://schemas.microsoft.com/office/powerpoint/2010/main" val="1224633410"/>
+      </p:ext>
+    </p:extLst>
+  </p:cSld>
+  <p:clrMapOvr>
+    <a:masterClrMapping/>
+  </p:clrMapOvr>
+</p:notes>
+</file>
+
 <file path=ppt/slideLayouts/slideLayout1.xml><?xml version="1.0" encoding="utf-8"?>
 <p:sldLayout xmlns:a="http://schemas.openxmlformats.org/drawingml/2006/main" xmlns:r="http://schemas.openxmlformats.org/officeDocument/2006/relationships" xmlns:p="http://schemas.openxmlformats.org/presentationml/2006/main" type="title" preserve="1">
   <p:cSld name="Title Slide">
@@ -244,7 +859,7 @@
           <a:p>
             <a:fld id="{53823816-BEC9-4197-922C-FA62F089EE69}" type="datetimeFigureOut">
               <a:rPr lang="en-AU" smtClean="0"/>
-              <a:t>13/10/2019</a:t>
+              <a:t>14/10/2019</a:t>
             </a:fld>
             <a:endParaRPr lang="en-AU"/>
           </a:p>
@@ -414,7 +1029,7 @@
           <a:p>
             <a:fld id="{53823816-BEC9-4197-922C-FA62F089EE69}" type="datetimeFigureOut">
               <a:rPr lang="en-AU" smtClean="0"/>
-              <a:t>13/10/2019</a:t>
+              <a:t>14/10/2019</a:t>
             </a:fld>
             <a:endParaRPr lang="en-AU"/>
           </a:p>
@@ -594,7 +1209,7 @@
           <a:p>
             <a:fld id="{53823816-BEC9-4197-922C-FA62F089EE69}" type="datetimeFigureOut">
               <a:rPr lang="en-AU" smtClean="0"/>
-              <a:t>13/10/2019</a:t>
+              <a:t>14/10/2019</a:t>
             </a:fld>
             <a:endParaRPr lang="en-AU"/>
           </a:p>
@@ -764,7 +1379,7 @@
           <a:p>
             <a:fld id="{53823816-BEC9-4197-922C-FA62F089EE69}" type="datetimeFigureOut">
               <a:rPr lang="en-AU" smtClean="0"/>
-              <a:t>13/10/2019</a:t>
+              <a:t>14/10/2019</a:t>
             </a:fld>
             <a:endParaRPr lang="en-AU"/>
           </a:p>
@@ -1010,7 +1625,7 @@
           <a:p>
             <a:fld id="{53823816-BEC9-4197-922C-FA62F089EE69}" type="datetimeFigureOut">
               <a:rPr lang="en-AU" smtClean="0"/>
-              <a:t>13/10/2019</a:t>
+              <a:t>14/10/2019</a:t>
             </a:fld>
             <a:endParaRPr lang="en-AU"/>
           </a:p>
@@ -1242,7 +1857,7 @@
           <a:p>
             <a:fld id="{53823816-BEC9-4197-922C-FA62F089EE69}" type="datetimeFigureOut">
               <a:rPr lang="en-AU" smtClean="0"/>
-              <a:t>13/10/2019</a:t>
+              <a:t>14/10/2019</a:t>
             </a:fld>
             <a:endParaRPr lang="en-AU"/>
           </a:p>
@@ -1609,7 +2224,7 @@
           <a:p>
             <a:fld id="{53823816-BEC9-4197-922C-FA62F089EE69}" type="datetimeFigureOut">
               <a:rPr lang="en-AU" smtClean="0"/>
-              <a:t>13/10/2019</a:t>
+              <a:t>14/10/2019</a:t>
             </a:fld>
             <a:endParaRPr lang="en-AU"/>
           </a:p>
@@ -1727,7 +2342,7 @@
           <a:p>
             <a:fld id="{53823816-BEC9-4197-922C-FA62F089EE69}" type="datetimeFigureOut">
               <a:rPr lang="en-AU" smtClean="0"/>
-              <a:t>13/10/2019</a:t>
+              <a:t>14/10/2019</a:t>
             </a:fld>
             <a:endParaRPr lang="en-AU"/>
           </a:p>
@@ -1822,7 +2437,7 @@
           <a:p>
             <a:fld id="{53823816-BEC9-4197-922C-FA62F089EE69}" type="datetimeFigureOut">
               <a:rPr lang="en-AU" smtClean="0"/>
-              <a:t>13/10/2019</a:t>
+              <a:t>14/10/2019</a:t>
             </a:fld>
             <a:endParaRPr lang="en-AU"/>
           </a:p>
@@ -2099,7 +2714,7 @@
           <a:p>
             <a:fld id="{53823816-BEC9-4197-922C-FA62F089EE69}" type="datetimeFigureOut">
               <a:rPr lang="en-AU" smtClean="0"/>
-              <a:t>13/10/2019</a:t>
+              <a:t>14/10/2019</a:t>
             </a:fld>
             <a:endParaRPr lang="en-AU"/>
           </a:p>
@@ -2352,7 +2967,7 @@
           <a:p>
             <a:fld id="{53823816-BEC9-4197-922C-FA62F089EE69}" type="datetimeFigureOut">
               <a:rPr lang="en-AU" smtClean="0"/>
-              <a:t>13/10/2019</a:t>
+              <a:t>14/10/2019</a:t>
             </a:fld>
             <a:endParaRPr lang="en-AU"/>
           </a:p>
@@ -2565,7 +3180,7 @@
           <a:p>
             <a:fld id="{53823816-BEC9-4197-922C-FA62F089EE69}" type="datetimeFigureOut">
               <a:rPr lang="en-AU" smtClean="0"/>
-              <a:t>13/10/2019</a:t>
+              <a:t>14/10/2019</a:t>
             </a:fld>
             <a:endParaRPr lang="en-AU"/>
           </a:p>
@@ -5105,6 +5720,2176 @@
 </p:sld>
 </file>
 
+<file path=ppt/slides/slide3.xml><?xml version="1.0" encoding="utf-8"?>
+<p:sld xmlns:a="http://schemas.openxmlformats.org/drawingml/2006/main" xmlns:r="http://schemas.openxmlformats.org/officeDocument/2006/relationships" xmlns:p="http://schemas.openxmlformats.org/presentationml/2006/main">
+  <p:cSld>
+    <p:spTree>
+      <p:nvGrpSpPr>
+        <p:cNvPr id="1" name=""/>
+        <p:cNvGrpSpPr/>
+        <p:nvPr/>
+      </p:nvGrpSpPr>
+      <p:grpSpPr>
+        <a:xfrm>
+          <a:off x="0" y="0"/>
+          <a:ext cx="0" cy="0"/>
+          <a:chOff x="0" y="0"/>
+          <a:chExt cx="0" cy="0"/>
+        </a:xfrm>
+      </p:grpSpPr>
+      <p:pic>
+        <p:nvPicPr>
+          <p:cNvPr id="34818" name="Picture 1" descr="image003"/>
+          <p:cNvPicPr>
+            <a:picLocks noChangeAspect="1" noChangeArrowheads="1"/>
+          </p:cNvPicPr>
+          <p:nvPr/>
+        </p:nvPicPr>
+        <p:blipFill>
+          <a:blip r:embed="rId3">
+            <a:extLst>
+              <a:ext uri="{28A0092B-C50C-407E-A947-70E740481C1C}">
+                <a14:useLocalDpi xmlns:a14="http://schemas.microsoft.com/office/drawing/2010/main" val="0"/>
+              </a:ext>
+            </a:extLst>
+          </a:blip>
+          <a:srcRect l="1801" t="-72" r="171" b="1865"/>
+          <a:stretch>
+            <a:fillRect/>
+          </a:stretch>
+        </p:blipFill>
+        <p:spPr bwMode="auto">
+          <a:xfrm>
+            <a:off x="1576672" y="1672856"/>
+            <a:ext cx="9669178" cy="4610469"/>
+          </a:xfrm>
+          <a:prstGeom prst="rect">
+            <a:avLst/>
+          </a:prstGeom>
+          <a:noFill/>
+          <a:ln>
+            <a:noFill/>
+          </a:ln>
+          <a:extLst>
+            <a:ext uri="{909E8E84-426E-40DD-AFC4-6F175D3DCCD1}">
+              <a14:hiddenFill xmlns:a14="http://schemas.microsoft.com/office/drawing/2010/main">
+                <a:solidFill>
+                  <a:srgbClr val="FFFFFF"/>
+                </a:solidFill>
+              </a14:hiddenFill>
+            </a:ext>
+            <a:ext uri="{91240B29-F687-4F45-9708-019B960494DF}">
+              <a14:hiddenLine xmlns:a14="http://schemas.microsoft.com/office/drawing/2010/main" w="9525">
+                <a:solidFill>
+                  <a:srgbClr val="000000"/>
+                </a:solidFill>
+                <a:miter lim="800000"/>
+                <a:headEnd/>
+                <a:tailEnd/>
+              </a14:hiddenLine>
+            </a:ext>
+          </a:extLst>
+        </p:spPr>
+      </p:pic>
+      <p:sp>
+        <p:nvSpPr>
+          <p:cNvPr id="185" name="Flowchart: Connector 184"/>
+          <p:cNvSpPr/>
+          <p:nvPr/>
+        </p:nvSpPr>
+        <p:spPr>
+          <a:xfrm>
+            <a:off x="9336088" y="4548188"/>
+            <a:ext cx="179387" cy="179387"/>
+          </a:xfrm>
+          <a:prstGeom prst="flowChartConnector">
+            <a:avLst/>
+          </a:prstGeom>
+          <a:solidFill>
+            <a:schemeClr val="accent6">
+              <a:lumMod val="75000"/>
+            </a:schemeClr>
+          </a:solidFill>
+          <a:ln>
+            <a:noFill/>
+          </a:ln>
+        </p:spPr>
+        <p:style>
+          <a:lnRef idx="2">
+            <a:schemeClr val="accent1">
+              <a:shade val="50000"/>
+            </a:schemeClr>
+          </a:lnRef>
+          <a:fillRef idx="1">
+            <a:schemeClr val="accent1"/>
+          </a:fillRef>
+          <a:effectRef idx="0">
+            <a:schemeClr val="accent1"/>
+          </a:effectRef>
+          <a:fontRef idx="minor">
+            <a:schemeClr val="lt1"/>
+          </a:fontRef>
+        </p:style>
+        <p:txBody>
+          <a:bodyPr wrap="none" lIns="54610" tIns="54610" rIns="54610" bIns="54610" anchor="ctr"/>
+          <a:lstStyle/>
+          <a:p>
+            <a:pPr algn="ctr">
+              <a:defRPr/>
+            </a:pPr>
+            <a:r>
+              <a:rPr lang="en-AU" sz="1000" dirty="0">
+                <a:solidFill>
+                  <a:prstClr val="white"/>
+                </a:solidFill>
+              </a:rPr>
+              <a:t>1</a:t>
+            </a:r>
+          </a:p>
+        </p:txBody>
+      </p:sp>
+      <p:sp>
+        <p:nvSpPr>
+          <p:cNvPr id="186" name="Flowchart: Connector 185"/>
+          <p:cNvSpPr/>
+          <p:nvPr/>
+        </p:nvSpPr>
+        <p:spPr>
+          <a:xfrm>
+            <a:off x="5014913" y="511175"/>
+            <a:ext cx="179387" cy="179388"/>
+          </a:xfrm>
+          <a:prstGeom prst="flowChartConnector">
+            <a:avLst/>
+          </a:prstGeom>
+          <a:solidFill>
+            <a:schemeClr val="accent6">
+              <a:lumMod val="75000"/>
+            </a:schemeClr>
+          </a:solidFill>
+          <a:ln>
+            <a:noFill/>
+          </a:ln>
+        </p:spPr>
+        <p:style>
+          <a:lnRef idx="2">
+            <a:schemeClr val="accent1">
+              <a:shade val="50000"/>
+            </a:schemeClr>
+          </a:lnRef>
+          <a:fillRef idx="1">
+            <a:schemeClr val="accent1"/>
+          </a:fillRef>
+          <a:effectRef idx="0">
+            <a:schemeClr val="accent1"/>
+          </a:effectRef>
+          <a:fontRef idx="minor">
+            <a:schemeClr val="lt1"/>
+          </a:fontRef>
+        </p:style>
+        <p:txBody>
+          <a:bodyPr wrap="none" lIns="54610" tIns="54610" rIns="54610" bIns="54610" anchor="ctr"/>
+          <a:lstStyle/>
+          <a:p>
+            <a:pPr algn="ctr">
+              <a:defRPr/>
+            </a:pPr>
+            <a:r>
+              <a:rPr lang="en-AU" sz="1000" dirty="0">
+                <a:solidFill>
+                  <a:prstClr val="white"/>
+                </a:solidFill>
+              </a:rPr>
+              <a:t>1</a:t>
+            </a:r>
+          </a:p>
+        </p:txBody>
+      </p:sp>
+      <p:sp>
+        <p:nvSpPr>
+          <p:cNvPr id="187" name="Flowchart: Connector 186"/>
+          <p:cNvSpPr/>
+          <p:nvPr/>
+        </p:nvSpPr>
+        <p:spPr>
+          <a:xfrm>
+            <a:off x="5014913" y="774700"/>
+            <a:ext cx="179387" cy="180975"/>
+          </a:xfrm>
+          <a:prstGeom prst="flowChartConnector">
+            <a:avLst/>
+          </a:prstGeom>
+          <a:solidFill>
+            <a:schemeClr val="accent6">
+              <a:lumMod val="75000"/>
+            </a:schemeClr>
+          </a:solidFill>
+          <a:ln>
+            <a:noFill/>
+          </a:ln>
+        </p:spPr>
+        <p:style>
+          <a:lnRef idx="2">
+            <a:schemeClr val="accent1">
+              <a:shade val="50000"/>
+            </a:schemeClr>
+          </a:lnRef>
+          <a:fillRef idx="1">
+            <a:schemeClr val="accent1"/>
+          </a:fillRef>
+          <a:effectRef idx="0">
+            <a:schemeClr val="accent1"/>
+          </a:effectRef>
+          <a:fontRef idx="minor">
+            <a:schemeClr val="lt1"/>
+          </a:fontRef>
+        </p:style>
+        <p:txBody>
+          <a:bodyPr wrap="none" lIns="54610" tIns="54610" rIns="54610" bIns="54610" anchor="ctr"/>
+          <a:lstStyle/>
+          <a:p>
+            <a:pPr algn="ctr">
+              <a:defRPr/>
+            </a:pPr>
+            <a:r>
+              <a:rPr lang="en-AU" sz="1000" dirty="0">
+                <a:solidFill>
+                  <a:prstClr val="white"/>
+                </a:solidFill>
+              </a:rPr>
+              <a:t>2</a:t>
+            </a:r>
+          </a:p>
+        </p:txBody>
+      </p:sp>
+      <p:sp>
+        <p:nvSpPr>
+          <p:cNvPr id="188" name="Flowchart: Connector 187"/>
+          <p:cNvSpPr/>
+          <p:nvPr/>
+        </p:nvSpPr>
+        <p:spPr>
+          <a:xfrm>
+            <a:off x="5014913" y="1039813"/>
+            <a:ext cx="179387" cy="180975"/>
+          </a:xfrm>
+          <a:prstGeom prst="flowChartConnector">
+            <a:avLst/>
+          </a:prstGeom>
+          <a:solidFill>
+            <a:schemeClr val="accent6">
+              <a:lumMod val="75000"/>
+            </a:schemeClr>
+          </a:solidFill>
+          <a:ln>
+            <a:noFill/>
+          </a:ln>
+        </p:spPr>
+        <p:style>
+          <a:lnRef idx="2">
+            <a:schemeClr val="accent1">
+              <a:shade val="50000"/>
+            </a:schemeClr>
+          </a:lnRef>
+          <a:fillRef idx="1">
+            <a:schemeClr val="accent1"/>
+          </a:fillRef>
+          <a:effectRef idx="0">
+            <a:schemeClr val="accent1"/>
+          </a:effectRef>
+          <a:fontRef idx="minor">
+            <a:schemeClr val="lt1"/>
+          </a:fontRef>
+        </p:style>
+        <p:txBody>
+          <a:bodyPr wrap="none" lIns="54610" tIns="54610" rIns="54610" bIns="54610" anchor="ctr"/>
+          <a:lstStyle/>
+          <a:p>
+            <a:pPr algn="ctr">
+              <a:defRPr/>
+            </a:pPr>
+            <a:r>
+              <a:rPr lang="en-AU" sz="1000" dirty="0">
+                <a:solidFill>
+                  <a:prstClr val="white"/>
+                </a:solidFill>
+              </a:rPr>
+              <a:t>3</a:t>
+            </a:r>
+          </a:p>
+        </p:txBody>
+      </p:sp>
+      <p:sp>
+        <p:nvSpPr>
+          <p:cNvPr id="189" name="Flowchart: Connector 188"/>
+          <p:cNvSpPr/>
+          <p:nvPr/>
+        </p:nvSpPr>
+        <p:spPr>
+          <a:xfrm>
+            <a:off x="10812463" y="3144838"/>
+            <a:ext cx="179387" cy="179387"/>
+          </a:xfrm>
+          <a:prstGeom prst="flowChartConnector">
+            <a:avLst/>
+          </a:prstGeom>
+          <a:solidFill>
+            <a:schemeClr val="accent6">
+              <a:lumMod val="75000"/>
+            </a:schemeClr>
+          </a:solidFill>
+          <a:ln>
+            <a:noFill/>
+          </a:ln>
+        </p:spPr>
+        <p:style>
+          <a:lnRef idx="2">
+            <a:schemeClr val="accent1">
+              <a:shade val="50000"/>
+            </a:schemeClr>
+          </a:lnRef>
+          <a:fillRef idx="1">
+            <a:schemeClr val="accent1"/>
+          </a:fillRef>
+          <a:effectRef idx="0">
+            <a:schemeClr val="accent1"/>
+          </a:effectRef>
+          <a:fontRef idx="minor">
+            <a:schemeClr val="lt1"/>
+          </a:fontRef>
+        </p:style>
+        <p:txBody>
+          <a:bodyPr wrap="none" lIns="54610" tIns="54610" rIns="54610" bIns="54610" anchor="ctr"/>
+          <a:lstStyle/>
+          <a:p>
+            <a:pPr algn="ctr">
+              <a:defRPr/>
+            </a:pPr>
+            <a:r>
+              <a:rPr lang="en-AU" sz="1000" dirty="0">
+                <a:solidFill>
+                  <a:prstClr val="white"/>
+                </a:solidFill>
+              </a:rPr>
+              <a:t>2</a:t>
+            </a:r>
+          </a:p>
+        </p:txBody>
+      </p:sp>
+      <p:sp>
+        <p:nvSpPr>
+          <p:cNvPr id="190" name="Flowchart: Connector 189"/>
+          <p:cNvSpPr/>
+          <p:nvPr/>
+        </p:nvSpPr>
+        <p:spPr>
+          <a:xfrm>
+            <a:off x="2363083" y="4352760"/>
+            <a:ext cx="179388" cy="179387"/>
+          </a:xfrm>
+          <a:prstGeom prst="flowChartConnector">
+            <a:avLst/>
+          </a:prstGeom>
+          <a:solidFill>
+            <a:schemeClr val="accent6">
+              <a:lumMod val="75000"/>
+            </a:schemeClr>
+          </a:solidFill>
+          <a:ln>
+            <a:noFill/>
+          </a:ln>
+        </p:spPr>
+        <p:style>
+          <a:lnRef idx="2">
+            <a:schemeClr val="accent1">
+              <a:shade val="50000"/>
+            </a:schemeClr>
+          </a:lnRef>
+          <a:fillRef idx="1">
+            <a:schemeClr val="accent1"/>
+          </a:fillRef>
+          <a:effectRef idx="0">
+            <a:schemeClr val="accent1"/>
+          </a:effectRef>
+          <a:fontRef idx="minor">
+            <a:schemeClr val="lt1"/>
+          </a:fontRef>
+        </p:style>
+        <p:txBody>
+          <a:bodyPr wrap="none" lIns="54610" tIns="54610" rIns="54610" bIns="54610" anchor="ctr"/>
+          <a:lstStyle/>
+          <a:p>
+            <a:pPr algn="ctr">
+              <a:defRPr/>
+            </a:pPr>
+            <a:r>
+              <a:rPr lang="en-AU" sz="1000" dirty="0">
+                <a:solidFill>
+                  <a:prstClr val="white"/>
+                </a:solidFill>
+              </a:rPr>
+              <a:t>3</a:t>
+            </a:r>
+          </a:p>
+        </p:txBody>
+      </p:sp>
+      <p:sp>
+        <p:nvSpPr>
+          <p:cNvPr id="191" name="Flowchart: Connector 190"/>
+          <p:cNvSpPr/>
+          <p:nvPr/>
+        </p:nvSpPr>
+        <p:spPr>
+          <a:xfrm>
+            <a:off x="5014913" y="1304925"/>
+            <a:ext cx="179387" cy="179388"/>
+          </a:xfrm>
+          <a:prstGeom prst="flowChartConnector">
+            <a:avLst/>
+          </a:prstGeom>
+          <a:solidFill>
+            <a:schemeClr val="accent6">
+              <a:lumMod val="75000"/>
+            </a:schemeClr>
+          </a:solidFill>
+          <a:ln>
+            <a:noFill/>
+          </a:ln>
+        </p:spPr>
+        <p:style>
+          <a:lnRef idx="2">
+            <a:schemeClr val="accent1">
+              <a:shade val="50000"/>
+            </a:schemeClr>
+          </a:lnRef>
+          <a:fillRef idx="1">
+            <a:schemeClr val="accent1"/>
+          </a:fillRef>
+          <a:effectRef idx="0">
+            <a:schemeClr val="accent1"/>
+          </a:effectRef>
+          <a:fontRef idx="minor">
+            <a:schemeClr val="lt1"/>
+          </a:fontRef>
+        </p:style>
+        <p:txBody>
+          <a:bodyPr wrap="none" lIns="54610" tIns="54610" rIns="54610" bIns="54610" anchor="ctr"/>
+          <a:lstStyle/>
+          <a:p>
+            <a:pPr algn="ctr">
+              <a:defRPr/>
+            </a:pPr>
+            <a:r>
+              <a:rPr lang="en-AU" sz="1000" dirty="0">
+                <a:solidFill>
+                  <a:prstClr val="white"/>
+                </a:solidFill>
+              </a:rPr>
+              <a:t>4</a:t>
+            </a:r>
+          </a:p>
+        </p:txBody>
+      </p:sp>
+      <p:sp>
+        <p:nvSpPr>
+          <p:cNvPr id="192" name="Flowchart: Connector 191"/>
+          <p:cNvSpPr/>
+          <p:nvPr/>
+        </p:nvSpPr>
+        <p:spPr>
+          <a:xfrm>
+            <a:off x="4614863" y="4029075"/>
+            <a:ext cx="179387" cy="179388"/>
+          </a:xfrm>
+          <a:prstGeom prst="flowChartConnector">
+            <a:avLst/>
+          </a:prstGeom>
+          <a:solidFill>
+            <a:schemeClr val="accent6">
+              <a:lumMod val="75000"/>
+            </a:schemeClr>
+          </a:solidFill>
+          <a:ln>
+            <a:noFill/>
+          </a:ln>
+        </p:spPr>
+        <p:style>
+          <a:lnRef idx="2">
+            <a:schemeClr val="accent1">
+              <a:shade val="50000"/>
+            </a:schemeClr>
+          </a:lnRef>
+          <a:fillRef idx="1">
+            <a:schemeClr val="accent1"/>
+          </a:fillRef>
+          <a:effectRef idx="0">
+            <a:schemeClr val="accent1"/>
+          </a:effectRef>
+          <a:fontRef idx="minor">
+            <a:schemeClr val="lt1"/>
+          </a:fontRef>
+        </p:style>
+        <p:txBody>
+          <a:bodyPr wrap="none" lIns="54610" tIns="54610" rIns="54610" bIns="54610" anchor="ctr"/>
+          <a:lstStyle/>
+          <a:p>
+            <a:pPr algn="ctr">
+              <a:defRPr/>
+            </a:pPr>
+            <a:r>
+              <a:rPr lang="en-AU" sz="1000" dirty="0">
+                <a:solidFill>
+                  <a:prstClr val="white"/>
+                </a:solidFill>
+              </a:rPr>
+              <a:t>4</a:t>
+            </a:r>
+          </a:p>
+        </p:txBody>
+      </p:sp>
+      <p:sp>
+        <p:nvSpPr>
+          <p:cNvPr id="193" name="Flowchart: Connector 192"/>
+          <p:cNvSpPr/>
+          <p:nvPr/>
+        </p:nvSpPr>
+        <p:spPr>
+          <a:xfrm>
+            <a:off x="8159750" y="511175"/>
+            <a:ext cx="180975" cy="179388"/>
+          </a:xfrm>
+          <a:prstGeom prst="flowChartConnector">
+            <a:avLst/>
+          </a:prstGeom>
+          <a:solidFill>
+            <a:schemeClr val="accent6">
+              <a:lumMod val="75000"/>
+            </a:schemeClr>
+          </a:solidFill>
+          <a:ln>
+            <a:noFill/>
+          </a:ln>
+        </p:spPr>
+        <p:style>
+          <a:lnRef idx="2">
+            <a:schemeClr val="accent1">
+              <a:shade val="50000"/>
+            </a:schemeClr>
+          </a:lnRef>
+          <a:fillRef idx="1">
+            <a:schemeClr val="accent1"/>
+          </a:fillRef>
+          <a:effectRef idx="0">
+            <a:schemeClr val="accent1"/>
+          </a:effectRef>
+          <a:fontRef idx="minor">
+            <a:schemeClr val="lt1"/>
+          </a:fontRef>
+        </p:style>
+        <p:txBody>
+          <a:bodyPr wrap="none" lIns="54610" tIns="54610" rIns="54610" bIns="54610" anchor="ctr"/>
+          <a:lstStyle/>
+          <a:p>
+            <a:pPr algn="ctr">
+              <a:defRPr/>
+            </a:pPr>
+            <a:r>
+              <a:rPr lang="en-AU" sz="1000" dirty="0">
+                <a:solidFill>
+                  <a:prstClr val="white"/>
+                </a:solidFill>
+              </a:rPr>
+              <a:t>5</a:t>
+            </a:r>
+          </a:p>
+        </p:txBody>
+      </p:sp>
+      <p:sp>
+        <p:nvSpPr>
+          <p:cNvPr id="195" name="Flowchart: Connector 194"/>
+          <p:cNvSpPr/>
+          <p:nvPr/>
+        </p:nvSpPr>
+        <p:spPr>
+          <a:xfrm>
+            <a:off x="8159750" y="774700"/>
+            <a:ext cx="180975" cy="180975"/>
+          </a:xfrm>
+          <a:prstGeom prst="flowChartConnector">
+            <a:avLst/>
+          </a:prstGeom>
+          <a:solidFill>
+            <a:schemeClr val="accent6">
+              <a:lumMod val="75000"/>
+            </a:schemeClr>
+          </a:solidFill>
+          <a:ln>
+            <a:noFill/>
+          </a:ln>
+        </p:spPr>
+        <p:style>
+          <a:lnRef idx="2">
+            <a:schemeClr val="accent1">
+              <a:shade val="50000"/>
+            </a:schemeClr>
+          </a:lnRef>
+          <a:fillRef idx="1">
+            <a:schemeClr val="accent1"/>
+          </a:fillRef>
+          <a:effectRef idx="0">
+            <a:schemeClr val="accent1"/>
+          </a:effectRef>
+          <a:fontRef idx="minor">
+            <a:schemeClr val="lt1"/>
+          </a:fontRef>
+        </p:style>
+        <p:txBody>
+          <a:bodyPr wrap="none" lIns="54610" tIns="54610" rIns="54610" bIns="54610" anchor="ctr"/>
+          <a:lstStyle/>
+          <a:p>
+            <a:pPr algn="ctr">
+              <a:defRPr/>
+            </a:pPr>
+            <a:r>
+              <a:rPr lang="en-AU" sz="1000" dirty="0">
+                <a:solidFill>
+                  <a:prstClr val="white"/>
+                </a:solidFill>
+              </a:rPr>
+              <a:t>6</a:t>
+            </a:r>
+          </a:p>
+        </p:txBody>
+      </p:sp>
+      <p:sp>
+        <p:nvSpPr>
+          <p:cNvPr id="197" name="Flowchart: Connector 196"/>
+          <p:cNvSpPr/>
+          <p:nvPr/>
+        </p:nvSpPr>
+        <p:spPr>
+          <a:xfrm>
+            <a:off x="8159750" y="1039813"/>
+            <a:ext cx="180975" cy="180975"/>
+          </a:xfrm>
+          <a:prstGeom prst="flowChartConnector">
+            <a:avLst/>
+          </a:prstGeom>
+          <a:solidFill>
+            <a:schemeClr val="accent6">
+              <a:lumMod val="75000"/>
+            </a:schemeClr>
+          </a:solidFill>
+          <a:ln>
+            <a:noFill/>
+          </a:ln>
+        </p:spPr>
+        <p:style>
+          <a:lnRef idx="2">
+            <a:schemeClr val="accent1">
+              <a:shade val="50000"/>
+            </a:schemeClr>
+          </a:lnRef>
+          <a:fillRef idx="1">
+            <a:schemeClr val="accent1"/>
+          </a:fillRef>
+          <a:effectRef idx="0">
+            <a:schemeClr val="accent1"/>
+          </a:effectRef>
+          <a:fontRef idx="minor">
+            <a:schemeClr val="lt1"/>
+          </a:fontRef>
+        </p:style>
+        <p:txBody>
+          <a:bodyPr wrap="none" lIns="54610" tIns="54610" rIns="54610" bIns="54610" anchor="ctr"/>
+          <a:lstStyle/>
+          <a:p>
+            <a:pPr algn="ctr">
+              <a:defRPr/>
+            </a:pPr>
+            <a:r>
+              <a:rPr lang="en-AU" sz="1000" dirty="0">
+                <a:solidFill>
+                  <a:prstClr val="white"/>
+                </a:solidFill>
+              </a:rPr>
+              <a:t>7</a:t>
+            </a:r>
+          </a:p>
+        </p:txBody>
+      </p:sp>
+      <p:sp>
+        <p:nvSpPr>
+          <p:cNvPr id="198" name="Flowchart: Connector 197"/>
+          <p:cNvSpPr/>
+          <p:nvPr/>
+        </p:nvSpPr>
+        <p:spPr>
+          <a:xfrm>
+            <a:off x="7385050" y="3406775"/>
+            <a:ext cx="179388" cy="179388"/>
+          </a:xfrm>
+          <a:prstGeom prst="flowChartConnector">
+            <a:avLst/>
+          </a:prstGeom>
+          <a:solidFill>
+            <a:schemeClr val="accent6">
+              <a:lumMod val="75000"/>
+            </a:schemeClr>
+          </a:solidFill>
+          <a:ln>
+            <a:noFill/>
+          </a:ln>
+        </p:spPr>
+        <p:style>
+          <a:lnRef idx="2">
+            <a:schemeClr val="accent1">
+              <a:shade val="50000"/>
+            </a:schemeClr>
+          </a:lnRef>
+          <a:fillRef idx="1">
+            <a:schemeClr val="accent1"/>
+          </a:fillRef>
+          <a:effectRef idx="0">
+            <a:schemeClr val="accent1"/>
+          </a:effectRef>
+          <a:fontRef idx="minor">
+            <a:schemeClr val="lt1"/>
+          </a:fontRef>
+        </p:style>
+        <p:txBody>
+          <a:bodyPr wrap="none" lIns="54610" tIns="54610" rIns="54610" bIns="54610" anchor="ctr"/>
+          <a:lstStyle/>
+          <a:p>
+            <a:pPr algn="ctr">
+              <a:defRPr/>
+            </a:pPr>
+            <a:r>
+              <a:rPr lang="en-AU" sz="1000" dirty="0">
+                <a:solidFill>
+                  <a:prstClr val="white"/>
+                </a:solidFill>
+              </a:rPr>
+              <a:t>7</a:t>
+            </a:r>
+          </a:p>
+        </p:txBody>
+      </p:sp>
+      <p:sp>
+        <p:nvSpPr>
+          <p:cNvPr id="34832" name="Rectangle 1"/>
+          <p:cNvSpPr>
+            <a:spLocks noChangeArrowheads="1"/>
+          </p:cNvSpPr>
+          <p:nvPr/>
+        </p:nvSpPr>
+        <p:spPr bwMode="auto">
+          <a:xfrm>
+            <a:off x="3625850" y="473075"/>
+            <a:ext cx="1319213" cy="646113"/>
+          </a:xfrm>
+          <a:prstGeom prst="rect">
+            <a:avLst/>
+          </a:prstGeom>
+          <a:noFill/>
+          <a:ln>
+            <a:noFill/>
+          </a:ln>
+          <a:extLst>
+            <a:ext uri="{909E8E84-426E-40DD-AFC4-6F175D3DCCD1}">
+              <a14:hiddenFill xmlns:a14="http://schemas.microsoft.com/office/drawing/2010/main">
+                <a:solidFill>
+                  <a:srgbClr val="FFFFFF"/>
+                </a:solidFill>
+              </a14:hiddenFill>
+            </a:ext>
+            <a:ext uri="{91240B29-F687-4F45-9708-019B960494DF}">
+              <a14:hiddenLine xmlns:a14="http://schemas.microsoft.com/office/drawing/2010/main" w="9525">
+                <a:solidFill>
+                  <a:srgbClr val="000000"/>
+                </a:solidFill>
+                <a:miter lim="800000"/>
+                <a:headEnd/>
+                <a:tailEnd/>
+              </a14:hiddenLine>
+            </a:ext>
+          </a:extLst>
+        </p:spPr>
+        <p:txBody>
+          <a:bodyPr>
+            <a:spAutoFit/>
+          </a:bodyPr>
+          <a:lstStyle>
+            <a:lvl1pPr>
+              <a:lnSpc>
+                <a:spcPct val="90000"/>
+              </a:lnSpc>
+              <a:spcBef>
+                <a:spcPts val="1000"/>
+              </a:spcBef>
+              <a:buFont typeface="Arial" panose="020B0604020202020204" pitchFamily="34" charset="0"/>
+              <a:buChar char="•"/>
+              <a:defRPr sz="2800">
+                <a:solidFill>
+                  <a:schemeClr val="tx1"/>
+                </a:solidFill>
+                <a:latin typeface="Calibri" panose="020F0502020204030204" pitchFamily="34" charset="0"/>
+              </a:defRPr>
+            </a:lvl1pPr>
+            <a:lvl2pPr marL="742950" indent="-285750">
+              <a:lnSpc>
+                <a:spcPct val="90000"/>
+              </a:lnSpc>
+              <a:spcBef>
+                <a:spcPts val="500"/>
+              </a:spcBef>
+              <a:buFont typeface="Arial" panose="020B0604020202020204" pitchFamily="34" charset="0"/>
+              <a:buChar char="•"/>
+              <a:defRPr sz="2400">
+                <a:solidFill>
+                  <a:schemeClr val="tx1"/>
+                </a:solidFill>
+                <a:latin typeface="Calibri" panose="020F0502020204030204" pitchFamily="34" charset="0"/>
+              </a:defRPr>
+            </a:lvl2pPr>
+            <a:lvl3pPr marL="1143000" indent="-228600">
+              <a:lnSpc>
+                <a:spcPct val="90000"/>
+              </a:lnSpc>
+              <a:spcBef>
+                <a:spcPts val="500"/>
+              </a:spcBef>
+              <a:buFont typeface="Arial" panose="020B0604020202020204" pitchFamily="34" charset="0"/>
+              <a:buChar char="•"/>
+              <a:defRPr sz="2000">
+                <a:solidFill>
+                  <a:schemeClr val="tx1"/>
+                </a:solidFill>
+                <a:latin typeface="Calibri" panose="020F0502020204030204" pitchFamily="34" charset="0"/>
+              </a:defRPr>
+            </a:lvl3pPr>
+            <a:lvl4pPr marL="1600200" indent="-228600">
+              <a:lnSpc>
+                <a:spcPct val="90000"/>
+              </a:lnSpc>
+              <a:spcBef>
+                <a:spcPts val="500"/>
+              </a:spcBef>
+              <a:buFont typeface="Arial" panose="020B0604020202020204" pitchFamily="34" charset="0"/>
+              <a:buChar char="•"/>
+              <a:defRPr>
+                <a:solidFill>
+                  <a:schemeClr val="tx1"/>
+                </a:solidFill>
+                <a:latin typeface="Calibri" panose="020F0502020204030204" pitchFamily="34" charset="0"/>
+              </a:defRPr>
+            </a:lvl4pPr>
+            <a:lvl5pPr marL="2057400" indent="-228600">
+              <a:lnSpc>
+                <a:spcPct val="90000"/>
+              </a:lnSpc>
+              <a:spcBef>
+                <a:spcPts val="500"/>
+              </a:spcBef>
+              <a:buFont typeface="Arial" panose="020B0604020202020204" pitchFamily="34" charset="0"/>
+              <a:buChar char="•"/>
+              <a:defRPr>
+                <a:solidFill>
+                  <a:schemeClr val="tx1"/>
+                </a:solidFill>
+                <a:latin typeface="Calibri" panose="020F0502020204030204" pitchFamily="34" charset="0"/>
+              </a:defRPr>
+            </a:lvl5pPr>
+            <a:lvl6pPr marL="2514600" indent="-228600" eaLnBrk="0" fontAlgn="base" hangingPunct="0">
+              <a:lnSpc>
+                <a:spcPct val="90000"/>
+              </a:lnSpc>
+              <a:spcBef>
+                <a:spcPts val="500"/>
+              </a:spcBef>
+              <a:spcAft>
+                <a:spcPct val="0"/>
+              </a:spcAft>
+              <a:buFont typeface="Arial" panose="020B0604020202020204" pitchFamily="34" charset="0"/>
+              <a:buChar char="•"/>
+              <a:defRPr>
+                <a:solidFill>
+                  <a:schemeClr val="tx1"/>
+                </a:solidFill>
+                <a:latin typeface="Calibri" panose="020F0502020204030204" pitchFamily="34" charset="0"/>
+              </a:defRPr>
+            </a:lvl6pPr>
+            <a:lvl7pPr marL="2971800" indent="-228600" eaLnBrk="0" fontAlgn="base" hangingPunct="0">
+              <a:lnSpc>
+                <a:spcPct val="90000"/>
+              </a:lnSpc>
+              <a:spcBef>
+                <a:spcPts val="500"/>
+              </a:spcBef>
+              <a:spcAft>
+                <a:spcPct val="0"/>
+              </a:spcAft>
+              <a:buFont typeface="Arial" panose="020B0604020202020204" pitchFamily="34" charset="0"/>
+              <a:buChar char="•"/>
+              <a:defRPr>
+                <a:solidFill>
+                  <a:schemeClr val="tx1"/>
+                </a:solidFill>
+                <a:latin typeface="Calibri" panose="020F0502020204030204" pitchFamily="34" charset="0"/>
+              </a:defRPr>
+            </a:lvl7pPr>
+            <a:lvl8pPr marL="3429000" indent="-228600" eaLnBrk="0" fontAlgn="base" hangingPunct="0">
+              <a:lnSpc>
+                <a:spcPct val="90000"/>
+              </a:lnSpc>
+              <a:spcBef>
+                <a:spcPts val="500"/>
+              </a:spcBef>
+              <a:spcAft>
+                <a:spcPct val="0"/>
+              </a:spcAft>
+              <a:buFont typeface="Arial" panose="020B0604020202020204" pitchFamily="34" charset="0"/>
+              <a:buChar char="•"/>
+              <a:defRPr>
+                <a:solidFill>
+                  <a:schemeClr val="tx1"/>
+                </a:solidFill>
+                <a:latin typeface="Calibri" panose="020F0502020204030204" pitchFamily="34" charset="0"/>
+              </a:defRPr>
+            </a:lvl8pPr>
+            <a:lvl9pPr marL="3886200" indent="-228600" eaLnBrk="0" fontAlgn="base" hangingPunct="0">
+              <a:lnSpc>
+                <a:spcPct val="90000"/>
+              </a:lnSpc>
+              <a:spcBef>
+                <a:spcPts val="500"/>
+              </a:spcBef>
+              <a:spcAft>
+                <a:spcPct val="0"/>
+              </a:spcAft>
+              <a:buFont typeface="Arial" panose="020B0604020202020204" pitchFamily="34" charset="0"/>
+              <a:buChar char="•"/>
+              <a:defRPr>
+                <a:solidFill>
+                  <a:schemeClr val="tx1"/>
+                </a:solidFill>
+                <a:latin typeface="Calibri" panose="020F0502020204030204" pitchFamily="34" charset="0"/>
+              </a:defRPr>
+            </a:lvl9pPr>
+          </a:lstStyle>
+          <a:p>
+            <a:pPr eaLnBrk="0" fontAlgn="base" hangingPunct="0">
+              <a:lnSpc>
+                <a:spcPct val="100000"/>
+              </a:lnSpc>
+              <a:spcBef>
+                <a:spcPct val="0"/>
+              </a:spcBef>
+              <a:spcAft>
+                <a:spcPct val="0"/>
+              </a:spcAft>
+              <a:buFont typeface="Arial" panose="020B0604020202020204" pitchFamily="34" charset="0"/>
+              <a:buNone/>
+            </a:pPr>
+            <a:r>
+              <a:rPr lang="en-AU" altLang="en-US" sz="1200" b="1" dirty="0">
+                <a:solidFill>
+                  <a:prstClr val="black"/>
+                </a:solidFill>
+                <a:latin typeface="Univers 45 Light" pitchFamily="2" charset="0"/>
+              </a:rPr>
+              <a:t>Key features &amp; challenges addressed</a:t>
+            </a:r>
+          </a:p>
+        </p:txBody>
+      </p:sp>
+      <p:graphicFrame>
+        <p:nvGraphicFramePr>
+          <p:cNvPr id="201" name="Table 200"/>
+          <p:cNvGraphicFramePr>
+            <a:graphicFrameLocks noGrp="1"/>
+          </p:cNvGraphicFramePr>
+          <p:nvPr/>
+        </p:nvGraphicFramePr>
+        <p:xfrm>
+          <a:off x="4706938" y="454025"/>
+          <a:ext cx="7493000" cy="1066803"/>
+        </p:xfrm>
+        <a:graphic>
+          <a:graphicData uri="http://schemas.openxmlformats.org/drawingml/2006/table">
+            <a:tbl>
+              <a:tblPr firstRow="1" bandRow="1">
+                <a:tableStyleId>{2D5ABB26-0587-4C30-8999-92F81FD0307C}</a:tableStyleId>
+              </a:tblPr>
+              <a:tblGrid>
+                <a:gridCol w="427869"/>
+                <a:gridCol w="2758443"/>
+                <a:gridCol w="402556"/>
+                <a:gridCol w="3904132"/>
+              </a:tblGrid>
+              <a:tr h="274319">
+                <a:tc>
+                  <a:txBody>
+                    <a:bodyPr/>
+                    <a:lstStyle/>
+                    <a:p>
+                      <a:endParaRPr lang="en-AU" sz="900" dirty="0">
+                        <a:latin typeface="Univers for KPMG Cond" panose="020B0606020202020204" pitchFamily="34" charset="0"/>
+                      </a:endParaRPr>
+                    </a:p>
+                  </a:txBody>
+                  <a:tcPr marL="91479" marR="91479" marT="0" marB="0"/>
+                </a:tc>
+                <a:tc>
+                  <a:txBody>
+                    <a:bodyPr/>
+                    <a:lstStyle/>
+                    <a:p>
+                      <a:pPr marL="0" marR="0" lvl="0" indent="0" algn="l" defTabSz="914400" rtl="0" eaLnBrk="1" fontAlgn="auto" latinLnBrk="0" hangingPunct="1">
+                        <a:lnSpc>
+                          <a:spcPct val="100000"/>
+                        </a:lnSpc>
+                        <a:spcBef>
+                          <a:spcPts val="0"/>
+                        </a:spcBef>
+                        <a:spcAft>
+                          <a:spcPts val="0"/>
+                        </a:spcAft>
+                        <a:buClrTx/>
+                        <a:buSzTx/>
+                        <a:buFontTx/>
+                        <a:buNone/>
+                        <a:tabLst/>
+                        <a:defRPr/>
+                      </a:pPr>
+                      <a:r>
+                        <a:rPr lang="en-US" sz="1000" dirty="0" smtClean="0"/>
+                        <a:t>Cognitive search capability (speed and accuracy) </a:t>
+                      </a:r>
+                      <a:endParaRPr lang="en-US" sz="1000" dirty="0" smtClean="0">
+                        <a:latin typeface="Univers 45 Light" pitchFamily="2" charset="0"/>
+                      </a:endParaRPr>
+                    </a:p>
+                  </a:txBody>
+                  <a:tcPr marL="91479" marR="91479" marT="0" marB="0" anchor="ctr"/>
+                </a:tc>
+                <a:tc>
+                  <a:txBody>
+                    <a:bodyPr/>
+                    <a:lstStyle/>
+                    <a:p>
+                      <a:endParaRPr lang="en-AU" sz="1800" dirty="0"/>
+                    </a:p>
+                  </a:txBody>
+                  <a:tcPr marL="91479" marR="91479" marT="0" marB="0" anchor="ctr"/>
+                </a:tc>
+                <a:tc>
+                  <a:txBody>
+                    <a:bodyPr/>
+                    <a:lstStyle/>
+                    <a:p>
+                      <a:r>
+                        <a:rPr lang="en-AU" sz="1000" dirty="0" smtClean="0"/>
+                        <a:t>Top</a:t>
+                      </a:r>
+                      <a:r>
+                        <a:rPr lang="en-AU" sz="1000" baseline="0" dirty="0" smtClean="0"/>
+                        <a:t> policies (speed and innovation)</a:t>
+                      </a:r>
+                      <a:endParaRPr lang="en-AU" sz="1000" dirty="0">
+                        <a:latin typeface="Univers 45 Light" pitchFamily="2" charset="0"/>
+                      </a:endParaRPr>
+                    </a:p>
+                  </a:txBody>
+                  <a:tcPr marL="91479" marR="91479" marT="0" marB="0" anchor="ctr"/>
+                </a:tc>
+              </a:tr>
+              <a:tr h="274319">
+                <a:tc>
+                  <a:txBody>
+                    <a:bodyPr/>
+                    <a:lstStyle/>
+                    <a:p>
+                      <a:endParaRPr lang="en-AU" sz="900" dirty="0">
+                        <a:latin typeface="Univers for KPMG Cond" panose="020B0606020202020204" pitchFamily="34" charset="0"/>
+                      </a:endParaRPr>
+                    </a:p>
+                  </a:txBody>
+                  <a:tcPr marL="91479" marR="91479" marT="0" marB="0"/>
+                </a:tc>
+                <a:tc>
+                  <a:txBody>
+                    <a:bodyPr/>
+                    <a:lstStyle/>
+                    <a:p>
+                      <a:pPr marL="0" marR="0" lvl="0" indent="0" algn="l" defTabSz="914400" rtl="0" eaLnBrk="1" fontAlgn="auto" latinLnBrk="0" hangingPunct="1">
+                        <a:lnSpc>
+                          <a:spcPct val="100000"/>
+                        </a:lnSpc>
+                        <a:spcBef>
+                          <a:spcPts val="0"/>
+                        </a:spcBef>
+                        <a:spcAft>
+                          <a:spcPts val="0"/>
+                        </a:spcAft>
+                        <a:buClrTx/>
+                        <a:buSzTx/>
+                        <a:buFontTx/>
+                        <a:buNone/>
+                        <a:tabLst/>
+                        <a:defRPr/>
+                      </a:pPr>
+                      <a:r>
+                        <a:rPr lang="en-US" sz="1000" dirty="0" smtClean="0"/>
+                        <a:t>48 hours of conversation (speed)</a:t>
+                      </a:r>
+                      <a:endParaRPr lang="en-US" sz="1000" dirty="0" smtClean="0">
+                        <a:latin typeface="Univers 45 Light" pitchFamily="2" charset="0"/>
+                      </a:endParaRPr>
+                    </a:p>
+                  </a:txBody>
+                  <a:tcPr marL="91479" marR="91479" marT="0" marB="0" anchor="ctr"/>
+                </a:tc>
+                <a:tc>
+                  <a:txBody>
+                    <a:bodyPr/>
+                    <a:lstStyle/>
+                    <a:p>
+                      <a:endParaRPr lang="en-AU" sz="1800" dirty="0"/>
+                    </a:p>
+                  </a:txBody>
+                  <a:tcPr marL="91479" marR="91479" marT="0" marB="0" anchor="ctr"/>
+                </a:tc>
+                <a:tc>
+                  <a:txBody>
+                    <a:bodyPr/>
+                    <a:lstStyle/>
+                    <a:p>
+                      <a:r>
+                        <a:rPr lang="en-AU" sz="1000" dirty="0" smtClean="0"/>
+                        <a:t>Personal Favourite</a:t>
+                      </a:r>
+                      <a:r>
+                        <a:rPr lang="en-AU" sz="1000" baseline="0" dirty="0" smtClean="0"/>
+                        <a:t> (confidence, speed and innovation)</a:t>
+                      </a:r>
+                      <a:endParaRPr lang="en-AU" sz="1000" dirty="0">
+                        <a:latin typeface="Univers 45 Light" pitchFamily="2" charset="0"/>
+                      </a:endParaRPr>
+                    </a:p>
+                  </a:txBody>
+                  <a:tcPr marL="91479" marR="91479" marT="0" marB="0" anchor="ctr"/>
+                </a:tc>
+              </a:tr>
+              <a:tr h="274319">
+                <a:tc>
+                  <a:txBody>
+                    <a:bodyPr/>
+                    <a:lstStyle/>
+                    <a:p>
+                      <a:endParaRPr lang="en-AU" sz="900" dirty="0">
+                        <a:latin typeface="Univers for KPMG Cond" panose="020B0606020202020204" pitchFamily="34" charset="0"/>
+                      </a:endParaRPr>
+                    </a:p>
+                  </a:txBody>
+                  <a:tcPr marL="91479" marR="91479" marT="0" marB="0"/>
+                </a:tc>
+                <a:tc>
+                  <a:txBody>
+                    <a:bodyPr/>
+                    <a:lstStyle/>
+                    <a:p>
+                      <a:pPr marL="0" marR="0" lvl="0" indent="0" algn="l" defTabSz="914400" rtl="0" eaLnBrk="1" fontAlgn="auto" latinLnBrk="0" hangingPunct="1">
+                        <a:lnSpc>
+                          <a:spcPct val="100000"/>
+                        </a:lnSpc>
+                        <a:spcBef>
+                          <a:spcPts val="0"/>
+                        </a:spcBef>
+                        <a:spcAft>
+                          <a:spcPts val="0"/>
+                        </a:spcAft>
+                        <a:buClrTx/>
+                        <a:buSzTx/>
+                        <a:buFontTx/>
+                        <a:buNone/>
+                        <a:tabLst/>
+                        <a:defRPr/>
+                      </a:pPr>
+                      <a:r>
+                        <a:rPr lang="en-US" sz="1000" dirty="0" smtClean="0"/>
+                        <a:t>Answer at a glance (speed)</a:t>
+                      </a:r>
+                      <a:endParaRPr lang="en-US" sz="1000" dirty="0" smtClean="0">
+                        <a:latin typeface="Univers 45 Light" pitchFamily="2" charset="0"/>
+                      </a:endParaRPr>
+                    </a:p>
+                  </a:txBody>
+                  <a:tcPr marL="91479" marR="91479" marT="0" marB="0" anchor="ctr"/>
+                </a:tc>
+                <a:tc>
+                  <a:txBody>
+                    <a:bodyPr/>
+                    <a:lstStyle/>
+                    <a:p>
+                      <a:endParaRPr lang="en-AU" sz="1800" dirty="0"/>
+                    </a:p>
+                  </a:txBody>
+                  <a:tcPr marL="91479" marR="91479" marT="0" marB="0" anchor="ctr"/>
+                </a:tc>
+                <a:tc>
+                  <a:txBody>
+                    <a:bodyPr/>
+                    <a:lstStyle/>
+                    <a:p>
+                      <a:pPr marL="0" marR="0" lvl="0" indent="0" algn="l" defTabSz="914400" rtl="0" eaLnBrk="1" fontAlgn="auto" latinLnBrk="0" hangingPunct="1">
+                        <a:lnSpc>
+                          <a:spcPct val="100000"/>
+                        </a:lnSpc>
+                        <a:spcBef>
+                          <a:spcPts val="0"/>
+                        </a:spcBef>
+                        <a:spcAft>
+                          <a:spcPts val="0"/>
+                        </a:spcAft>
+                        <a:buClrTx/>
+                        <a:buSzTx/>
+                        <a:buFontTx/>
+                        <a:buNone/>
+                        <a:tabLst/>
+                        <a:defRPr/>
+                      </a:pPr>
+                      <a:r>
+                        <a:rPr lang="en-AU" sz="1000" dirty="0" smtClean="0"/>
+                        <a:t>Personalisation (confidence, speed</a:t>
+                      </a:r>
+                      <a:r>
+                        <a:rPr lang="en-AU" sz="1000" baseline="0" dirty="0" smtClean="0"/>
+                        <a:t> and innovation)</a:t>
+                      </a:r>
+                      <a:endParaRPr lang="en-AU" sz="1000" dirty="0" smtClean="0">
+                        <a:latin typeface="Univers 45 Light" pitchFamily="2" charset="0"/>
+                      </a:endParaRPr>
+                    </a:p>
+                  </a:txBody>
+                  <a:tcPr marL="91479" marR="91479" marT="0" marB="0" anchor="ctr"/>
+                </a:tc>
+              </a:tr>
+              <a:tr h="243843">
+                <a:tc>
+                  <a:txBody>
+                    <a:bodyPr/>
+                    <a:lstStyle/>
+                    <a:p>
+                      <a:endParaRPr lang="en-AU" sz="900" dirty="0">
+                        <a:latin typeface="Univers for KPMG Cond" panose="020B0606020202020204" pitchFamily="34" charset="0"/>
+                      </a:endParaRPr>
+                    </a:p>
+                  </a:txBody>
+                  <a:tcPr marL="91479" marR="91479" marT="0" marB="0"/>
+                </a:tc>
+                <a:tc>
+                  <a:txBody>
+                    <a:bodyPr/>
+                    <a:lstStyle/>
+                    <a:p>
+                      <a:r>
+                        <a:rPr lang="en-AU" sz="1000" dirty="0" smtClean="0"/>
+                        <a:t>Detailed drill down to policy</a:t>
+                      </a:r>
+                      <a:r>
+                        <a:rPr lang="en-AU" sz="1000" baseline="0" dirty="0" smtClean="0"/>
+                        <a:t> (confidence)</a:t>
+                      </a:r>
+                      <a:endParaRPr lang="en-AU" sz="1000" dirty="0">
+                        <a:latin typeface="Univers 45 Light" pitchFamily="2" charset="0"/>
+                      </a:endParaRPr>
+                    </a:p>
+                  </a:txBody>
+                  <a:tcPr marL="91479" marR="91479" marT="0" marB="0" anchor="ctr"/>
+                </a:tc>
+                <a:tc>
+                  <a:txBody>
+                    <a:bodyPr/>
+                    <a:lstStyle/>
+                    <a:p>
+                      <a:endParaRPr lang="en-AU" sz="1000" dirty="0">
+                        <a:latin typeface="Univers 45 Light" pitchFamily="2" charset="0"/>
+                      </a:endParaRPr>
+                    </a:p>
+                  </a:txBody>
+                  <a:tcPr marL="91479" marR="91479" marT="0" marB="0" anchor="ctr"/>
+                </a:tc>
+                <a:tc>
+                  <a:txBody>
+                    <a:bodyPr/>
+                    <a:lstStyle/>
+                    <a:p>
+                      <a:r>
+                        <a:rPr lang="en-AU" sz="1000" dirty="0" smtClean="0"/>
+                        <a:t>Analytics (innovation)</a:t>
+                      </a:r>
+                      <a:endParaRPr lang="en-AU" sz="1000" dirty="0">
+                        <a:latin typeface="Univers 45 Light" pitchFamily="2" charset="0"/>
+                      </a:endParaRPr>
+                    </a:p>
+                  </a:txBody>
+                  <a:tcPr marL="91479" marR="91479" marT="0" marB="0" anchor="ctr"/>
+                </a:tc>
+              </a:tr>
+            </a:tbl>
+          </a:graphicData>
+        </a:graphic>
+      </p:graphicFrame>
+      <p:sp>
+        <p:nvSpPr>
+          <p:cNvPr id="20" name="Flowchart: Connector 19"/>
+          <p:cNvSpPr/>
+          <p:nvPr/>
+        </p:nvSpPr>
+        <p:spPr>
+          <a:xfrm>
+            <a:off x="10722769" y="1895108"/>
+            <a:ext cx="179387" cy="179388"/>
+          </a:xfrm>
+          <a:prstGeom prst="flowChartConnector">
+            <a:avLst/>
+          </a:prstGeom>
+          <a:solidFill>
+            <a:schemeClr val="accent6">
+              <a:lumMod val="75000"/>
+            </a:schemeClr>
+          </a:solidFill>
+          <a:ln>
+            <a:noFill/>
+          </a:ln>
+        </p:spPr>
+        <p:style>
+          <a:lnRef idx="2">
+            <a:schemeClr val="accent1">
+              <a:shade val="50000"/>
+            </a:schemeClr>
+          </a:lnRef>
+          <a:fillRef idx="1">
+            <a:schemeClr val="accent1"/>
+          </a:fillRef>
+          <a:effectRef idx="0">
+            <a:schemeClr val="accent1"/>
+          </a:effectRef>
+          <a:fontRef idx="minor">
+            <a:schemeClr val="lt1"/>
+          </a:fontRef>
+        </p:style>
+        <p:txBody>
+          <a:bodyPr wrap="none" lIns="54610" tIns="54610" rIns="54610" bIns="54610" anchor="ctr"/>
+          <a:lstStyle/>
+          <a:p>
+            <a:pPr algn="ctr">
+              <a:defRPr/>
+            </a:pPr>
+            <a:r>
+              <a:rPr lang="en-AU" sz="1000" dirty="0">
+                <a:solidFill>
+                  <a:prstClr val="white"/>
+                </a:solidFill>
+              </a:rPr>
+              <a:t>7</a:t>
+            </a:r>
+          </a:p>
+        </p:txBody>
+      </p:sp>
+      <p:sp>
+        <p:nvSpPr>
+          <p:cNvPr id="194" name="Flowchart: Connector 193"/>
+          <p:cNvSpPr/>
+          <p:nvPr/>
+        </p:nvSpPr>
+        <p:spPr>
+          <a:xfrm>
+            <a:off x="2667000" y="1873250"/>
+            <a:ext cx="179388" cy="179388"/>
+          </a:xfrm>
+          <a:prstGeom prst="flowChartConnector">
+            <a:avLst/>
+          </a:prstGeom>
+          <a:solidFill>
+            <a:schemeClr val="accent6">
+              <a:lumMod val="75000"/>
+            </a:schemeClr>
+          </a:solidFill>
+          <a:ln>
+            <a:noFill/>
+          </a:ln>
+        </p:spPr>
+        <p:style>
+          <a:lnRef idx="2">
+            <a:schemeClr val="accent1">
+              <a:shade val="50000"/>
+            </a:schemeClr>
+          </a:lnRef>
+          <a:fillRef idx="1">
+            <a:schemeClr val="accent1"/>
+          </a:fillRef>
+          <a:effectRef idx="0">
+            <a:schemeClr val="accent1"/>
+          </a:effectRef>
+          <a:fontRef idx="minor">
+            <a:schemeClr val="lt1"/>
+          </a:fontRef>
+        </p:style>
+        <p:txBody>
+          <a:bodyPr wrap="none" lIns="54610" tIns="54610" rIns="54610" bIns="54610" anchor="ctr"/>
+          <a:lstStyle/>
+          <a:p>
+            <a:pPr algn="ctr">
+              <a:defRPr/>
+            </a:pPr>
+            <a:r>
+              <a:rPr lang="en-AU" sz="1000" dirty="0">
+                <a:solidFill>
+                  <a:prstClr val="white"/>
+                </a:solidFill>
+              </a:rPr>
+              <a:t>5</a:t>
+            </a:r>
+          </a:p>
+        </p:txBody>
+      </p:sp>
+      <p:sp>
+        <p:nvSpPr>
+          <p:cNvPr id="196" name="Flowchart: Connector 195"/>
+          <p:cNvSpPr/>
+          <p:nvPr/>
+        </p:nvSpPr>
+        <p:spPr>
+          <a:xfrm>
+            <a:off x="3678238" y="1873250"/>
+            <a:ext cx="179387" cy="179388"/>
+          </a:xfrm>
+          <a:prstGeom prst="flowChartConnector">
+            <a:avLst/>
+          </a:prstGeom>
+          <a:solidFill>
+            <a:schemeClr val="accent6">
+              <a:lumMod val="75000"/>
+            </a:schemeClr>
+          </a:solidFill>
+          <a:ln>
+            <a:noFill/>
+          </a:ln>
+        </p:spPr>
+        <p:style>
+          <a:lnRef idx="2">
+            <a:schemeClr val="accent1">
+              <a:shade val="50000"/>
+            </a:schemeClr>
+          </a:lnRef>
+          <a:fillRef idx="1">
+            <a:schemeClr val="accent1"/>
+          </a:fillRef>
+          <a:effectRef idx="0">
+            <a:schemeClr val="accent1"/>
+          </a:effectRef>
+          <a:fontRef idx="minor">
+            <a:schemeClr val="lt1"/>
+          </a:fontRef>
+        </p:style>
+        <p:txBody>
+          <a:bodyPr wrap="none" lIns="54610" tIns="54610" rIns="54610" bIns="54610" anchor="ctr"/>
+          <a:lstStyle/>
+          <a:p>
+            <a:pPr algn="ctr">
+              <a:defRPr/>
+            </a:pPr>
+            <a:r>
+              <a:rPr lang="en-AU" sz="1000" dirty="0">
+                <a:solidFill>
+                  <a:prstClr val="white"/>
+                </a:solidFill>
+              </a:rPr>
+              <a:t>6</a:t>
+            </a:r>
+          </a:p>
+        </p:txBody>
+      </p:sp>
+      <p:sp>
+        <p:nvSpPr>
+          <p:cNvPr id="22" name="Flowchart: Connector 21"/>
+          <p:cNvSpPr/>
+          <p:nvPr/>
+        </p:nvSpPr>
+        <p:spPr>
+          <a:xfrm>
+            <a:off x="4614863" y="1873250"/>
+            <a:ext cx="179387" cy="179388"/>
+          </a:xfrm>
+          <a:prstGeom prst="flowChartConnector">
+            <a:avLst/>
+          </a:prstGeom>
+          <a:solidFill>
+            <a:schemeClr val="accent6">
+              <a:lumMod val="75000"/>
+            </a:schemeClr>
+          </a:solidFill>
+          <a:ln>
+            <a:noFill/>
+          </a:ln>
+        </p:spPr>
+        <p:style>
+          <a:lnRef idx="2">
+            <a:schemeClr val="accent1">
+              <a:shade val="50000"/>
+            </a:schemeClr>
+          </a:lnRef>
+          <a:fillRef idx="1">
+            <a:schemeClr val="accent1"/>
+          </a:fillRef>
+          <a:effectRef idx="0">
+            <a:schemeClr val="accent1"/>
+          </a:effectRef>
+          <a:fontRef idx="minor">
+            <a:schemeClr val="lt1"/>
+          </a:fontRef>
+        </p:style>
+        <p:txBody>
+          <a:bodyPr wrap="none" lIns="54610" tIns="54610" rIns="54610" bIns="54610" anchor="ctr"/>
+          <a:lstStyle/>
+          <a:p>
+            <a:pPr algn="ctr">
+              <a:defRPr/>
+            </a:pPr>
+            <a:r>
+              <a:rPr lang="en-AU" sz="1000" dirty="0">
+                <a:solidFill>
+                  <a:prstClr val="white"/>
+                </a:solidFill>
+              </a:rPr>
+              <a:t>8</a:t>
+            </a:r>
+          </a:p>
+        </p:txBody>
+      </p:sp>
+      <p:sp>
+        <p:nvSpPr>
+          <p:cNvPr id="23" name="Flowchart: Connector 22"/>
+          <p:cNvSpPr/>
+          <p:nvPr/>
+        </p:nvSpPr>
+        <p:spPr>
+          <a:xfrm>
+            <a:off x="8159750" y="1304925"/>
+            <a:ext cx="179388" cy="179388"/>
+          </a:xfrm>
+          <a:prstGeom prst="flowChartConnector">
+            <a:avLst/>
+          </a:prstGeom>
+          <a:solidFill>
+            <a:schemeClr val="accent6">
+              <a:lumMod val="75000"/>
+            </a:schemeClr>
+          </a:solidFill>
+          <a:ln>
+            <a:noFill/>
+          </a:ln>
+        </p:spPr>
+        <p:style>
+          <a:lnRef idx="2">
+            <a:schemeClr val="accent1">
+              <a:shade val="50000"/>
+            </a:schemeClr>
+          </a:lnRef>
+          <a:fillRef idx="1">
+            <a:schemeClr val="accent1"/>
+          </a:fillRef>
+          <a:effectRef idx="0">
+            <a:schemeClr val="accent1"/>
+          </a:effectRef>
+          <a:fontRef idx="minor">
+            <a:schemeClr val="lt1"/>
+          </a:fontRef>
+        </p:style>
+        <p:txBody>
+          <a:bodyPr wrap="none" lIns="54610" tIns="54610" rIns="54610" bIns="54610" anchor="ctr"/>
+          <a:lstStyle/>
+          <a:p>
+            <a:pPr algn="ctr">
+              <a:defRPr/>
+            </a:pPr>
+            <a:r>
+              <a:rPr lang="en-AU" sz="1000" dirty="0">
+                <a:solidFill>
+                  <a:prstClr val="white"/>
+                </a:solidFill>
+              </a:rPr>
+              <a:t>8</a:t>
+            </a:r>
+          </a:p>
+        </p:txBody>
+      </p:sp>
+      <p:sp>
+        <p:nvSpPr>
+          <p:cNvPr id="3" name="Rectangle 2"/>
+          <p:cNvSpPr/>
+          <p:nvPr/>
+        </p:nvSpPr>
+        <p:spPr>
+          <a:xfrm>
+            <a:off x="8853377" y="1949302"/>
+            <a:ext cx="1254642" cy="340242"/>
+          </a:xfrm>
+          <a:prstGeom prst="rect">
+            <a:avLst/>
+          </a:prstGeom>
+          <a:solidFill>
+            <a:schemeClr val="bg1"/>
+          </a:solidFill>
+          <a:ln>
+            <a:solidFill>
+              <a:schemeClr val="bg1"/>
+            </a:solidFill>
+          </a:ln>
+        </p:spPr>
+        <p:style>
+          <a:lnRef idx="2">
+            <a:schemeClr val="accent1">
+              <a:shade val="50000"/>
+            </a:schemeClr>
+          </a:lnRef>
+          <a:fillRef idx="1">
+            <a:schemeClr val="accent1"/>
+          </a:fillRef>
+          <a:effectRef idx="0">
+            <a:schemeClr val="accent1"/>
+          </a:effectRef>
+          <a:fontRef idx="minor">
+            <a:schemeClr val="lt1"/>
+          </a:fontRef>
+        </p:style>
+        <p:txBody>
+          <a:bodyPr rtlCol="0" anchor="ctr"/>
+          <a:lstStyle/>
+          <a:p>
+            <a:pPr algn="ctr"/>
+            <a:endParaRPr lang="en-AU"/>
+          </a:p>
+        </p:txBody>
+      </p:sp>
+      <p:pic>
+        <p:nvPicPr>
+          <p:cNvPr id="5" name="Picture 4"/>
+          <p:cNvPicPr>
+            <a:picLocks noChangeAspect="1"/>
+          </p:cNvPicPr>
+          <p:nvPr/>
+        </p:nvPicPr>
+        <p:blipFill>
+          <a:blip r:embed="rId4"/>
+          <a:stretch>
+            <a:fillRect/>
+          </a:stretch>
+        </p:blipFill>
+        <p:spPr>
+          <a:xfrm>
+            <a:off x="8853377" y="1949302"/>
+            <a:ext cx="389692" cy="316430"/>
+          </a:xfrm>
+          <a:prstGeom prst="rect">
+            <a:avLst/>
+          </a:prstGeom>
+        </p:spPr>
+      </p:pic>
+      <p:sp>
+        <p:nvSpPr>
+          <p:cNvPr id="6" name="Rectangle 5"/>
+          <p:cNvSpPr/>
+          <p:nvPr/>
+        </p:nvSpPr>
+        <p:spPr>
+          <a:xfrm>
+            <a:off x="1977656" y="2863702"/>
+            <a:ext cx="3037257" cy="155945"/>
+          </a:xfrm>
+          <a:prstGeom prst="rect">
+            <a:avLst/>
+          </a:prstGeom>
+          <a:solidFill>
+            <a:srgbClr val="72A3FF"/>
+          </a:solidFill>
+          <a:ln>
+            <a:solidFill>
+              <a:srgbClr val="72A3FF"/>
+            </a:solidFill>
+          </a:ln>
+        </p:spPr>
+        <p:style>
+          <a:lnRef idx="2">
+            <a:schemeClr val="accent1">
+              <a:shade val="50000"/>
+            </a:schemeClr>
+          </a:lnRef>
+          <a:fillRef idx="1">
+            <a:schemeClr val="accent1"/>
+          </a:fillRef>
+          <a:effectRef idx="0">
+            <a:schemeClr val="accent1"/>
+          </a:effectRef>
+          <a:fontRef idx="minor">
+            <a:schemeClr val="lt1"/>
+          </a:fontRef>
+        </p:style>
+        <p:txBody>
+          <a:bodyPr rtlCol="0" anchor="ctr"/>
+          <a:lstStyle/>
+          <a:p>
+            <a:r>
+              <a:rPr lang="en-AU" sz="1200" dirty="0" smtClean="0"/>
+              <a:t>021-22033 Document Title 1 </a:t>
+            </a:r>
+            <a:endParaRPr lang="en-AU" sz="1200" dirty="0"/>
+          </a:p>
+        </p:txBody>
+      </p:sp>
+      <p:sp>
+        <p:nvSpPr>
+          <p:cNvPr id="28" name="Rectangle 27"/>
+          <p:cNvSpPr/>
+          <p:nvPr/>
+        </p:nvSpPr>
+        <p:spPr>
+          <a:xfrm>
+            <a:off x="1907806" y="5018602"/>
+            <a:ext cx="4819059" cy="199289"/>
+          </a:xfrm>
+          <a:prstGeom prst="rect">
+            <a:avLst/>
+          </a:prstGeom>
+          <a:solidFill>
+            <a:srgbClr val="72A3FF"/>
+          </a:solidFill>
+          <a:ln>
+            <a:solidFill>
+              <a:srgbClr val="72A3FF"/>
+            </a:solidFill>
+          </a:ln>
+        </p:spPr>
+        <p:style>
+          <a:lnRef idx="2">
+            <a:schemeClr val="accent1">
+              <a:shade val="50000"/>
+            </a:schemeClr>
+          </a:lnRef>
+          <a:fillRef idx="1">
+            <a:schemeClr val="accent1"/>
+          </a:fillRef>
+          <a:effectRef idx="0">
+            <a:schemeClr val="accent1"/>
+          </a:effectRef>
+          <a:fontRef idx="minor">
+            <a:schemeClr val="lt1"/>
+          </a:fontRef>
+        </p:style>
+        <p:txBody>
+          <a:bodyPr rtlCol="0" anchor="ctr"/>
+          <a:lstStyle/>
+          <a:p>
+            <a:r>
+              <a:rPr lang="en-AU" sz="1200" dirty="0" smtClean="0"/>
+              <a:t>021-22343 Document Title 2 </a:t>
+            </a:r>
+            <a:endParaRPr lang="en-AU" sz="1200" dirty="0"/>
+          </a:p>
+        </p:txBody>
+      </p:sp>
+      <p:sp>
+        <p:nvSpPr>
+          <p:cNvPr id="29" name="Rectangle 28"/>
+          <p:cNvSpPr/>
+          <p:nvPr/>
+        </p:nvSpPr>
+        <p:spPr>
+          <a:xfrm>
+            <a:off x="2028198" y="3202316"/>
+            <a:ext cx="5833730" cy="444801"/>
+          </a:xfrm>
+          <a:prstGeom prst="rect">
+            <a:avLst/>
+          </a:prstGeom>
+          <a:solidFill>
+            <a:schemeClr val="bg1"/>
+          </a:solidFill>
+          <a:ln>
+            <a:solidFill>
+              <a:schemeClr val="bg1"/>
+            </a:solidFill>
+          </a:ln>
+        </p:spPr>
+        <p:style>
+          <a:lnRef idx="2">
+            <a:schemeClr val="accent1">
+              <a:shade val="50000"/>
+            </a:schemeClr>
+          </a:lnRef>
+          <a:fillRef idx="1">
+            <a:schemeClr val="accent1"/>
+          </a:fillRef>
+          <a:effectRef idx="0">
+            <a:schemeClr val="accent1"/>
+          </a:effectRef>
+          <a:fontRef idx="minor">
+            <a:schemeClr val="lt1"/>
+          </a:fontRef>
+        </p:style>
+        <p:txBody>
+          <a:bodyPr rtlCol="0" anchor="ctr"/>
+          <a:lstStyle/>
+          <a:p>
+            <a:r>
+              <a:rPr lang="en-AU" sz="1050" dirty="0" smtClean="0">
+                <a:solidFill>
+                  <a:schemeClr val="tx1"/>
+                </a:solidFill>
+              </a:rPr>
+              <a:t>This page is about Customer service Collaboration research. </a:t>
+            </a:r>
+            <a:r>
+              <a:rPr lang="en-AU" sz="1050" dirty="0">
+                <a:solidFill>
+                  <a:schemeClr val="tx1"/>
+                </a:solidFill>
+              </a:rPr>
+              <a:t>Customer service is traditionally considered a cost </a:t>
+            </a:r>
+            <a:r>
+              <a:rPr lang="en-AU" sz="1050" dirty="0" smtClean="0">
+                <a:solidFill>
+                  <a:schemeClr val="tx1"/>
+                </a:solidFill>
+              </a:rPr>
+              <a:t>centre, </a:t>
+            </a:r>
+            <a:r>
+              <a:rPr lang="en-AU" sz="1050" dirty="0">
+                <a:solidFill>
+                  <a:schemeClr val="tx1"/>
+                </a:solidFill>
+              </a:rPr>
+              <a:t>so many organizations have focused their customer improvement efforts on reducing costs. </a:t>
+            </a:r>
+            <a:r>
+              <a:rPr lang="en-AU" sz="1050" dirty="0" smtClean="0">
+                <a:solidFill>
+                  <a:schemeClr val="tx1"/>
+                </a:solidFill>
+              </a:rPr>
+              <a:t> </a:t>
+            </a:r>
+            <a:endParaRPr lang="en-AU" sz="1050" dirty="0">
+              <a:solidFill>
+                <a:schemeClr val="tx1"/>
+              </a:solidFill>
+            </a:endParaRPr>
+          </a:p>
+        </p:txBody>
+      </p:sp>
+      <p:sp>
+        <p:nvSpPr>
+          <p:cNvPr id="31" name="Rectangle 30"/>
+          <p:cNvSpPr/>
+          <p:nvPr/>
+        </p:nvSpPr>
+        <p:spPr>
+          <a:xfrm>
+            <a:off x="2098048" y="5395288"/>
+            <a:ext cx="5833730" cy="311889"/>
+          </a:xfrm>
+          <a:prstGeom prst="rect">
+            <a:avLst/>
+          </a:prstGeom>
+          <a:solidFill>
+            <a:schemeClr val="bg1"/>
+          </a:solidFill>
+          <a:ln>
+            <a:solidFill>
+              <a:schemeClr val="bg1"/>
+            </a:solidFill>
+          </a:ln>
+        </p:spPr>
+        <p:style>
+          <a:lnRef idx="2">
+            <a:schemeClr val="accent1">
+              <a:shade val="50000"/>
+            </a:schemeClr>
+          </a:lnRef>
+          <a:fillRef idx="1">
+            <a:schemeClr val="accent1"/>
+          </a:fillRef>
+          <a:effectRef idx="0">
+            <a:schemeClr val="accent1"/>
+          </a:effectRef>
+          <a:fontRef idx="minor">
+            <a:schemeClr val="lt1"/>
+          </a:fontRef>
+        </p:style>
+        <p:txBody>
+          <a:bodyPr rtlCol="0" anchor="ctr"/>
+          <a:lstStyle/>
+          <a:p>
+            <a:r>
+              <a:rPr lang="en-AU" sz="1050" dirty="0">
+                <a:solidFill>
+                  <a:schemeClr val="tx1"/>
+                </a:solidFill>
+              </a:rPr>
+              <a:t>Business Insider experts predict that by 2020, 80% of enterprises will use C</a:t>
+            </a:r>
+            <a:r>
+              <a:rPr lang="en-AU" sz="1050" dirty="0" smtClean="0">
+                <a:solidFill>
+                  <a:schemeClr val="tx1"/>
+                </a:solidFill>
+              </a:rPr>
+              <a:t>hatbots</a:t>
+            </a:r>
+            <a:r>
+              <a:rPr lang="en-AU" sz="1050" dirty="0">
+                <a:solidFill>
+                  <a:schemeClr val="tx1"/>
+                </a:solidFill>
+              </a:rPr>
+              <a:t>. According to Lauren Foye, by 2022,  banks can automate up to 90% of their customer interaction using C</a:t>
+            </a:r>
+            <a:r>
+              <a:rPr lang="en-AU" sz="1050" dirty="0" smtClean="0">
+                <a:solidFill>
+                  <a:schemeClr val="tx1"/>
+                </a:solidFill>
+              </a:rPr>
+              <a:t>hatbots</a:t>
+            </a:r>
+            <a:endParaRPr lang="en-AU" sz="1050" dirty="0">
+              <a:solidFill>
+                <a:schemeClr val="tx1"/>
+              </a:solidFill>
+            </a:endParaRPr>
+          </a:p>
+        </p:txBody>
+      </p:sp>
+      <p:sp>
+        <p:nvSpPr>
+          <p:cNvPr id="33" name="Flowchart: Connector 32"/>
+          <p:cNvSpPr/>
+          <p:nvPr/>
+        </p:nvSpPr>
+        <p:spPr>
+          <a:xfrm>
+            <a:off x="7641155" y="3406999"/>
+            <a:ext cx="179388" cy="179388"/>
+          </a:xfrm>
+          <a:prstGeom prst="flowChartConnector">
+            <a:avLst/>
+          </a:prstGeom>
+          <a:solidFill>
+            <a:schemeClr val="accent6">
+              <a:lumMod val="75000"/>
+            </a:schemeClr>
+          </a:solidFill>
+          <a:ln>
+            <a:noFill/>
+          </a:ln>
+        </p:spPr>
+        <p:style>
+          <a:lnRef idx="2">
+            <a:schemeClr val="accent1">
+              <a:shade val="50000"/>
+            </a:schemeClr>
+          </a:lnRef>
+          <a:fillRef idx="1">
+            <a:schemeClr val="accent1"/>
+          </a:fillRef>
+          <a:effectRef idx="0">
+            <a:schemeClr val="accent1"/>
+          </a:effectRef>
+          <a:fontRef idx="minor">
+            <a:schemeClr val="lt1"/>
+          </a:fontRef>
+        </p:style>
+        <p:txBody>
+          <a:bodyPr wrap="none" lIns="54610" tIns="54610" rIns="54610" bIns="54610" anchor="ctr"/>
+          <a:lstStyle/>
+          <a:p>
+            <a:pPr algn="ctr" eaLnBrk="1" fontAlgn="auto" hangingPunct="1">
+              <a:spcBef>
+                <a:spcPts val="0"/>
+              </a:spcBef>
+              <a:spcAft>
+                <a:spcPts val="0"/>
+              </a:spcAft>
+              <a:defRPr/>
+            </a:pPr>
+            <a:r>
+              <a:rPr lang="en-AU" sz="1000" dirty="0">
+                <a:solidFill>
+                  <a:schemeClr val="bg1"/>
+                </a:solidFill>
+              </a:rPr>
+              <a:t>7</a:t>
+            </a:r>
+          </a:p>
+        </p:txBody>
+      </p:sp>
+      <p:sp>
+        <p:nvSpPr>
+          <p:cNvPr id="34" name="Rectangle 33"/>
+          <p:cNvSpPr/>
+          <p:nvPr/>
+        </p:nvSpPr>
+        <p:spPr>
+          <a:xfrm>
+            <a:off x="9630845" y="4473989"/>
+            <a:ext cx="1342084" cy="291067"/>
+          </a:xfrm>
+          <a:prstGeom prst="rect">
+            <a:avLst/>
+          </a:prstGeom>
+          <a:solidFill>
+            <a:srgbClr val="508DFF"/>
+          </a:solidFill>
+          <a:ln>
+            <a:solidFill>
+              <a:srgbClr val="508DFF"/>
+            </a:solidFill>
+          </a:ln>
+        </p:spPr>
+        <p:style>
+          <a:lnRef idx="2">
+            <a:schemeClr val="accent1">
+              <a:shade val="50000"/>
+            </a:schemeClr>
+          </a:lnRef>
+          <a:fillRef idx="1">
+            <a:schemeClr val="accent1"/>
+          </a:fillRef>
+          <a:effectRef idx="0">
+            <a:schemeClr val="accent1"/>
+          </a:effectRef>
+          <a:fontRef idx="minor">
+            <a:schemeClr val="lt1"/>
+          </a:fontRef>
+        </p:style>
+        <p:txBody>
+          <a:bodyPr rtlCol="0" anchor="ctr"/>
+          <a:lstStyle/>
+          <a:p>
+            <a:r>
+              <a:rPr lang="en-AU" sz="800" dirty="0" smtClean="0"/>
+              <a:t>What is the fundamental for customer service bot?</a:t>
+            </a:r>
+            <a:endParaRPr lang="en-AU" sz="800" dirty="0"/>
+          </a:p>
+        </p:txBody>
+      </p:sp>
+      <p:sp>
+        <p:nvSpPr>
+          <p:cNvPr id="2" name="Rectangle 1"/>
+          <p:cNvSpPr/>
+          <p:nvPr/>
+        </p:nvSpPr>
+        <p:spPr>
+          <a:xfrm>
+            <a:off x="2594505" y="4240135"/>
+            <a:ext cx="5020201" cy="292011"/>
+          </a:xfrm>
+          <a:prstGeom prst="rect">
+            <a:avLst/>
+          </a:prstGeom>
+          <a:solidFill>
+            <a:schemeClr val="bg1"/>
+          </a:solidFill>
+          <a:ln>
+            <a:solidFill>
+              <a:schemeClr val="bg1"/>
+            </a:solidFill>
+          </a:ln>
+        </p:spPr>
+        <p:style>
+          <a:lnRef idx="2">
+            <a:schemeClr val="accent1">
+              <a:shade val="50000"/>
+            </a:schemeClr>
+          </a:lnRef>
+          <a:fillRef idx="1">
+            <a:schemeClr val="accent1"/>
+          </a:fillRef>
+          <a:effectRef idx="0">
+            <a:schemeClr val="accent1"/>
+          </a:effectRef>
+          <a:fontRef idx="minor">
+            <a:schemeClr val="lt1"/>
+          </a:fontRef>
+        </p:style>
+        <p:txBody>
+          <a:bodyPr rtlCol="0" anchor="ctr"/>
+          <a:lstStyle/>
+          <a:p>
+            <a:r>
+              <a:rPr lang="en-AU" sz="900" dirty="0" smtClean="0">
+                <a:solidFill>
+                  <a:schemeClr val="bg1">
+                    <a:lumMod val="50000"/>
+                  </a:schemeClr>
+                </a:solidFill>
+              </a:rPr>
+              <a:t>The answer </a:t>
+            </a:r>
+            <a:r>
+              <a:rPr lang="en-AU" sz="900" dirty="0">
+                <a:solidFill>
+                  <a:schemeClr val="bg1">
+                    <a:lumMod val="50000"/>
+                  </a:schemeClr>
+                </a:solidFill>
+              </a:rPr>
+              <a:t>might be </a:t>
+            </a:r>
+            <a:r>
+              <a:rPr lang="en-AU" sz="900" dirty="0" smtClean="0">
+                <a:solidFill>
+                  <a:schemeClr val="tx1"/>
+                </a:solidFill>
+              </a:rPr>
+              <a:t>virtual </a:t>
+            </a:r>
+            <a:r>
+              <a:rPr lang="en-AU" sz="900" dirty="0">
+                <a:solidFill>
+                  <a:schemeClr val="tx1"/>
+                </a:solidFill>
+              </a:rPr>
+              <a:t>agent systems has demonstrated two fundamental — and counterintuitive — facts about customer service and automation. </a:t>
+            </a:r>
+          </a:p>
+        </p:txBody>
+      </p:sp>
+    </p:spTree>
+    <p:extLst>
+      <p:ext uri="{BB962C8B-B14F-4D97-AF65-F5344CB8AC3E}">
+        <p14:creationId xmlns:p14="http://schemas.microsoft.com/office/powerpoint/2010/main" val="2543621116"/>
+      </p:ext>
+    </p:extLst>
+  </p:cSld>
+  <p:clrMapOvr>
+    <a:masterClrMapping/>
+  </p:clrMapOvr>
+  <p:timing>
+    <p:tnLst>
+      <p:par>
+        <p:cTn id="1" dur="indefinite" restart="never" nodeType="tmRoot"/>
+      </p:par>
+    </p:tnLst>
+  </p:timing>
+</p:sld>
+</file>
+
 <file path=ppt/theme/theme1.xml><?xml version="1.0" encoding="utf-8"?>
 <a:theme xmlns:a="http://schemas.openxmlformats.org/drawingml/2006/main" name="Office Theme">
   <a:themeElements>
@@ -5364,4 +8149,265 @@
     </a:ext>
   </a:extLst>
 </a:theme>
+</file>
+
+<file path=ppt/theme/theme2.xml><?xml version="1.0" encoding="utf-8"?>
+<a:theme xmlns:a="http://schemas.openxmlformats.org/drawingml/2006/main" name="Office Theme">
+  <a:themeElements>
+    <a:clrScheme name="Office">
+      <a:dk1>
+        <a:sysClr val="windowText" lastClr="000000"/>
+      </a:dk1>
+      <a:lt1>
+        <a:sysClr val="window" lastClr="FFFFFF"/>
+      </a:lt1>
+      <a:dk2>
+        <a:srgbClr val="44546A"/>
+      </a:dk2>
+      <a:lt2>
+        <a:srgbClr val="E7E6E6"/>
+      </a:lt2>
+      <a:accent1>
+        <a:srgbClr val="5B9BD5"/>
+      </a:accent1>
+      <a:accent2>
+        <a:srgbClr val="ED7D31"/>
+      </a:accent2>
+      <a:accent3>
+        <a:srgbClr val="A5A5A5"/>
+      </a:accent3>
+      <a:accent4>
+        <a:srgbClr val="FFC000"/>
+      </a:accent4>
+      <a:accent5>
+        <a:srgbClr val="4472C4"/>
+      </a:accent5>
+      <a:accent6>
+        <a:srgbClr val="70AD47"/>
+      </a:accent6>
+      <a:hlink>
+        <a:srgbClr val="0563C1"/>
+      </a:hlink>
+      <a:folHlink>
+        <a:srgbClr val="954F72"/>
+      </a:folHlink>
+    </a:clrScheme>
+    <a:fontScheme name="Office">
+      <a:majorFont>
+        <a:latin typeface="Calibri Light" panose="020F0302020204030204"/>
+        <a:ea typeface=""/>
+        <a:cs typeface=""/>
+        <a:font script="Jpan" typeface="ＭＳ Ｐゴシック"/>
+        <a:font script="Hang" typeface="맑은 고딕"/>
+        <a:font script="Hans" typeface="宋体"/>
+        <a:font script="Hant" typeface="新細明體"/>
+        <a:font script="Arab" typeface="Times New Roman"/>
+        <a:font script="Hebr" typeface="Times New Roman"/>
+        <a:font script="Thai" typeface="Angsana New"/>
+        <a:font script="Ethi" typeface="Nyala"/>
+        <a:font script="Beng" typeface="Vrinda"/>
+        <a:font script="Gujr" typeface="Shruti"/>
+        <a:font script="Khmr" typeface="MoolBoran"/>
+        <a:font script="Knda" typeface="Tunga"/>
+        <a:font script="Guru" typeface="Raavi"/>
+        <a:font script="Cans" typeface="Euphemia"/>
+        <a:font script="Cher" typeface="Plantagenet Cherokee"/>
+        <a:font script="Yiii" typeface="Microsoft Yi Baiti"/>
+        <a:font script="Tibt" typeface="Microsoft Himalaya"/>
+        <a:font script="Thaa" typeface="MV Boli"/>
+        <a:font script="Deva" typeface="Mangal"/>
+        <a:font script="Telu" typeface="Gautami"/>
+        <a:font script="Taml" typeface="Latha"/>
+        <a:font script="Syrc" typeface="Estrangelo Edessa"/>
+        <a:font script="Orya" typeface="Kalinga"/>
+        <a:font script="Mlym" typeface="Kartika"/>
+        <a:font script="Laoo" typeface="DokChampa"/>
+        <a:font script="Sinh" typeface="Iskoola Pota"/>
+        <a:font script="Mong" typeface="Mongolian Baiti"/>
+        <a:font script="Viet" typeface="Times New Roman"/>
+        <a:font script="Uigh" typeface="Microsoft Uighur"/>
+        <a:font script="Geor" typeface="Sylfaen"/>
+      </a:majorFont>
+      <a:minorFont>
+        <a:latin typeface="Calibri" panose="020F0502020204030204"/>
+        <a:ea typeface=""/>
+        <a:cs typeface=""/>
+        <a:font script="Jpan" typeface="ＭＳ Ｐゴシック"/>
+        <a:font script="Hang" typeface="맑은 고딕"/>
+        <a:font script="Hans" typeface="宋体"/>
+        <a:font script="Hant" typeface="新細明體"/>
+        <a:font script="Arab" typeface="Arial"/>
+        <a:font script="Hebr" typeface="Arial"/>
+        <a:font script="Thai" typeface="Cordia New"/>
+        <a:font script="Ethi" typeface="Nyala"/>
+        <a:font script="Beng" typeface="Vrinda"/>
+        <a:font script="Gujr" typeface="Shruti"/>
+        <a:font script="Khmr" typeface="DaunPenh"/>
+        <a:font script="Knda" typeface="Tunga"/>
+        <a:font script="Guru" typeface="Raavi"/>
+        <a:font script="Cans" typeface="Euphemia"/>
+        <a:font script="Cher" typeface="Plantagenet Cherokee"/>
+        <a:font script="Yiii" typeface="Microsoft Yi Baiti"/>
+        <a:font script="Tibt" typeface="Microsoft Himalaya"/>
+        <a:font script="Thaa" typeface="MV Boli"/>
+        <a:font script="Deva" typeface="Mangal"/>
+        <a:font script="Telu" typeface="Gautami"/>
+        <a:font script="Taml" typeface="Latha"/>
+        <a:font script="Syrc" typeface="Estrangelo Edessa"/>
+        <a:font script="Orya" typeface="Kalinga"/>
+        <a:font script="Mlym" typeface="Kartika"/>
+        <a:font script="Laoo" typeface="DokChampa"/>
+        <a:font script="Sinh" typeface="Iskoola Pota"/>
+        <a:font script="Mong" typeface="Mongolian Baiti"/>
+        <a:font script="Viet" typeface="Arial"/>
+        <a:font script="Uigh" typeface="Microsoft Uighur"/>
+        <a:font script="Geor" typeface="Sylfaen"/>
+      </a:minorFont>
+    </a:fontScheme>
+    <a:fmtScheme name="Office">
+      <a:fillStyleLst>
+        <a:solidFill>
+          <a:schemeClr val="phClr"/>
+        </a:solidFill>
+        <a:gradFill rotWithShape="1">
+          <a:gsLst>
+            <a:gs pos="0">
+              <a:schemeClr val="phClr">
+                <a:lumMod val="110000"/>
+                <a:satMod val="105000"/>
+                <a:tint val="67000"/>
+              </a:schemeClr>
+            </a:gs>
+            <a:gs pos="50000">
+              <a:schemeClr val="phClr">
+                <a:lumMod val="105000"/>
+                <a:satMod val="103000"/>
+                <a:tint val="73000"/>
+              </a:schemeClr>
+            </a:gs>
+            <a:gs pos="100000">
+              <a:schemeClr val="phClr">
+                <a:lumMod val="105000"/>
+                <a:satMod val="109000"/>
+                <a:tint val="81000"/>
+              </a:schemeClr>
+            </a:gs>
+          </a:gsLst>
+          <a:lin ang="5400000" scaled="0"/>
+        </a:gradFill>
+        <a:gradFill rotWithShape="1">
+          <a:gsLst>
+            <a:gs pos="0">
+              <a:schemeClr val="phClr">
+                <a:satMod val="103000"/>
+                <a:lumMod val="102000"/>
+                <a:tint val="94000"/>
+              </a:schemeClr>
+            </a:gs>
+            <a:gs pos="50000">
+              <a:schemeClr val="phClr">
+                <a:satMod val="110000"/>
+                <a:lumMod val="100000"/>
+                <a:shade val="100000"/>
+              </a:schemeClr>
+            </a:gs>
+            <a:gs pos="100000">
+              <a:schemeClr val="phClr">
+                <a:lumMod val="99000"/>
+                <a:satMod val="120000"/>
+                <a:shade val="78000"/>
+              </a:schemeClr>
+            </a:gs>
+          </a:gsLst>
+          <a:lin ang="5400000" scaled="0"/>
+        </a:gradFill>
+      </a:fillStyleLst>
+      <a:lnStyleLst>
+        <a:ln w="6350" cap="flat" cmpd="sng" algn="ctr">
+          <a:solidFill>
+            <a:schemeClr val="phClr"/>
+          </a:solidFill>
+          <a:prstDash val="solid"/>
+          <a:miter lim="800000"/>
+        </a:ln>
+        <a:ln w="12700" cap="flat" cmpd="sng" algn="ctr">
+          <a:solidFill>
+            <a:schemeClr val="phClr"/>
+          </a:solidFill>
+          <a:prstDash val="solid"/>
+          <a:miter lim="800000"/>
+        </a:ln>
+        <a:ln w="19050" cap="flat" cmpd="sng" algn="ctr">
+          <a:solidFill>
+            <a:schemeClr val="phClr"/>
+          </a:solidFill>
+          <a:prstDash val="solid"/>
+          <a:miter lim="800000"/>
+        </a:ln>
+      </a:lnStyleLst>
+      <a:effectStyleLst>
+        <a:effectStyle>
+          <a:effectLst/>
+        </a:effectStyle>
+        <a:effectStyle>
+          <a:effectLst/>
+        </a:effectStyle>
+        <a:effectStyle>
+          <a:effectLst>
+            <a:outerShdw blurRad="57150" dist="19050" dir="5400000" algn="ctr" rotWithShape="0">
+              <a:srgbClr val="000000">
+                <a:alpha val="63000"/>
+              </a:srgbClr>
+            </a:outerShdw>
+          </a:effectLst>
+        </a:effectStyle>
+      </a:effectStyleLst>
+      <a:bgFillStyleLst>
+        <a:solidFill>
+          <a:schemeClr val="phClr"/>
+        </a:solidFill>
+        <a:solidFill>
+          <a:schemeClr val="phClr">
+            <a:tint val="95000"/>
+            <a:satMod val="170000"/>
+          </a:schemeClr>
+        </a:solidFill>
+        <a:gradFill rotWithShape="1">
+          <a:gsLst>
+            <a:gs pos="0">
+              <a:schemeClr val="phClr">
+                <a:tint val="93000"/>
+                <a:satMod val="150000"/>
+                <a:shade val="98000"/>
+                <a:lumMod val="102000"/>
+              </a:schemeClr>
+            </a:gs>
+            <a:gs pos="50000">
+              <a:schemeClr val="phClr">
+                <a:tint val="98000"/>
+                <a:satMod val="130000"/>
+                <a:shade val="90000"/>
+                <a:lumMod val="103000"/>
+              </a:schemeClr>
+            </a:gs>
+            <a:gs pos="100000">
+              <a:schemeClr val="phClr">
+                <a:shade val="63000"/>
+                <a:satMod val="120000"/>
+              </a:schemeClr>
+            </a:gs>
+          </a:gsLst>
+          <a:lin ang="5400000" scaled="0"/>
+        </a:gradFill>
+      </a:bgFillStyleLst>
+    </a:fmtScheme>
+  </a:themeElements>
+  <a:objectDefaults/>
+  <a:extraClrSchemeLst/>
+  <a:extLst>
+    <a:ext uri="{05A4C25C-085E-4340-85A3-A5531E510DB2}">
+      <thm15:themeFamily xmlns:thm15="http://schemas.microsoft.com/office/thememl/2012/main" name="Office Theme" id="{62F939B6-93AF-4DB8-9C6B-D6C7DFDC589F}" vid="{4A3C46E8-61CC-4603-A589-7422A47A8E4A}"/>
+    </a:ext>
+  </a:extLst>
+</a:theme>
 </file>